--- a/VideoSessionsMaterials/server-side.pptx
+++ b/VideoSessionsMaterials/server-side.pptx
@@ -1,20 +1,17 @@
 
 <file path=ppt/presentation.xml><?xml version="1.0" encoding="utf-8"?>
-<p:presentation xmlns:a="http://schemas.openxmlformats.org/drawingml/2006/main" xmlns:r="http://schemas.openxmlformats.org/officeDocument/2006/relationships" xmlns:p="http://schemas.openxmlformats.org/presentationml/2006/main" showSpecialPlsOnTitleSld="0" saveSubsetFonts="1" autoCompressPictures="0">
+<p:presentation xmlns:a="http://schemas.openxmlformats.org/drawingml/2006/main" xmlns:r="http://schemas.openxmlformats.org/officeDocument/2006/relationships" xmlns:mc="http://schemas.openxmlformats.org/markup-compatibility/2006" xmlns:mv="urn:schemas-microsoft-com:mac:vml" xmlns:p="http://schemas.openxmlformats.org/presentationml/2006/main" mc:Ignorable="mv" mc:PreserveAttributes="mv:*" showSpecialPlsOnTitleSld="0" saveSubsetFonts="1" autoCompressPictures="0">
   <p:sldMasterIdLst>
     <p:sldMasterId id="2147483648" r:id="rId1"/>
   </p:sldMasterIdLst>
   <p:notesMasterIdLst>
-    <p:notesMasterId r:id="rId9"/>
+    <p:notesMasterId r:id="rId6"/>
   </p:notesMasterIdLst>
   <p:sldIdLst>
     <p:sldId id="364" r:id="rId2"/>
     <p:sldId id="326" r:id="rId3"/>
-    <p:sldId id="367" r:id="rId4"/>
-    <p:sldId id="368" r:id="rId5"/>
-    <p:sldId id="369" r:id="rId6"/>
-    <p:sldId id="366" r:id="rId7"/>
-    <p:sldId id="322" r:id="rId8"/>
+    <p:sldId id="366" r:id="rId4"/>
+    <p:sldId id="322" r:id="rId5"/>
   </p:sldIdLst>
   <p:sldSz cx="17327563" cy="9747250"/>
   <p:notesSz cx="6858000" cy="9144000"/>
@@ -147,7 +144,7 @@
 </file>
 
 <file path=ppt/notesMasters/notesMaster1.xml><?xml version="1.0" encoding="utf-8"?>
-<p:notesMaster xmlns:a="http://schemas.openxmlformats.org/drawingml/2006/main" xmlns:r="http://schemas.openxmlformats.org/officeDocument/2006/relationships" xmlns:p="http://schemas.openxmlformats.org/presentationml/2006/main">
+<p:notesMaster xmlns:a="http://schemas.openxmlformats.org/drawingml/2006/main" xmlns:r="http://schemas.openxmlformats.org/officeDocument/2006/relationships" xmlns:mc="http://schemas.openxmlformats.org/markup-compatibility/2006" xmlns:mv="urn:schemas-microsoft-com:mac:vml" xmlns:p="http://schemas.openxmlformats.org/presentationml/2006/main" mc:Ignorable="mv" mc:PreserveAttributes="mv:*">
   <p:cSld>
     <p:bg>
       <p:bgRef idx="1001">
@@ -229,7 +226,7 @@
             <a:fld id="{DDC063FE-8627-9A42-970F-0BBEEB02B587}" type="datetimeFigureOut">
               <a:rPr lang="en-US" smtClean="0"/>
               <a:pPr/>
-              <a:t>12/4/13</a:t>
+              <a:t>12/9/13</a:t>
             </a:fld>
             <a:endParaRPr lang="en-US" dirty="0"/>
           </a:p>
@@ -398,7 +395,7 @@
     </p:spTree>
     <p:extLst>
       <p:ext uri="{BB962C8B-B14F-4D97-AF65-F5344CB8AC3E}">
-        <p14:creationId xmlns:p14="http://schemas.microsoft.com/office/powerpoint/2010/main" val="4045051341"/>
+        <p14:creationId xmlns:p14="http://schemas.microsoft.com/office/powerpoint/2010/main" xmlns:p="http://schemas.openxmlformats.org/presentationml/2006/main" xmlns:r="http://schemas.openxmlformats.org/officeDocument/2006/relationships" xmlns:a="http://schemas.openxmlformats.org/drawingml/2006/main" xmlns="" val="4045051341"/>
       </p:ext>
     </p:extLst>
   </p:cSld>
@@ -499,7 +496,7 @@
 </file>
 
 <file path=ppt/notesSlides/notesSlide1.xml><?xml version="1.0" encoding="utf-8"?>
-<p:notes xmlns:a="http://schemas.openxmlformats.org/drawingml/2006/main" xmlns:r="http://schemas.openxmlformats.org/officeDocument/2006/relationships" xmlns:p="http://schemas.openxmlformats.org/presentationml/2006/main">
+<p:notes xmlns:a="http://schemas.openxmlformats.org/drawingml/2006/main" xmlns:r="http://schemas.openxmlformats.org/officeDocument/2006/relationships" xmlns:mc="http://schemas.openxmlformats.org/markup-compatibility/2006" xmlns:mv="urn:schemas-microsoft-com:mac:vml" xmlns:p="http://schemas.openxmlformats.org/presentationml/2006/main" mc:Ignorable="mv" mc:PreserveAttributes="mv:*">
   <p:cSld>
     <p:spTree>
       <p:nvGrpSpPr>
@@ -573,7 +570,7 @@
     </p:spTree>
     <p:extLst>
       <p:ext uri="{BB962C8B-B14F-4D97-AF65-F5344CB8AC3E}">
-        <p14:creationId xmlns:p14="http://schemas.microsoft.com/office/powerpoint/2010/main" val="3250658828"/>
+        <p14:creationId xmlns:p14="http://schemas.microsoft.com/office/powerpoint/2010/main" xmlns:p="http://schemas.openxmlformats.org/presentationml/2006/main" xmlns:r="http://schemas.openxmlformats.org/officeDocument/2006/relationships" xmlns:a="http://schemas.openxmlformats.org/drawingml/2006/main" xmlns="" val="3250658828"/>
       </p:ext>
     </p:extLst>
   </p:cSld>
@@ -584,7 +581,7 @@
 </file>
 
 <file path=ppt/notesSlides/notesSlide2.xml><?xml version="1.0" encoding="utf-8"?>
-<p:notes xmlns:a="http://schemas.openxmlformats.org/drawingml/2006/main" xmlns:r="http://schemas.openxmlformats.org/officeDocument/2006/relationships" xmlns:p="http://schemas.openxmlformats.org/presentationml/2006/main">
+<p:notes xmlns:a="http://schemas.openxmlformats.org/drawingml/2006/main" xmlns:r="http://schemas.openxmlformats.org/officeDocument/2006/relationships" xmlns:mc="http://schemas.openxmlformats.org/markup-compatibility/2006" xmlns:mv="urn:schemas-microsoft-com:mac:vml" xmlns:p="http://schemas.openxmlformats.org/presentationml/2006/main" mc:Ignorable="mv" mc:PreserveAttributes="mv:*">
   <p:cSld>
     <p:spTree>
       <p:nvGrpSpPr>
@@ -658,7 +655,7 @@
     </p:spTree>
     <p:extLst>
       <p:ext uri="{BB962C8B-B14F-4D97-AF65-F5344CB8AC3E}">
-        <p14:creationId xmlns:p14="http://schemas.microsoft.com/office/powerpoint/2010/main" val="963676054"/>
+        <p14:creationId xmlns:p14="http://schemas.microsoft.com/office/powerpoint/2010/main" xmlns:p="http://schemas.openxmlformats.org/presentationml/2006/main" xmlns:r="http://schemas.openxmlformats.org/officeDocument/2006/relationships" xmlns:a="http://schemas.openxmlformats.org/drawingml/2006/main" xmlns="" val="963676054"/>
       </p:ext>
     </p:extLst>
   </p:cSld>
@@ -669,7 +666,7 @@
 </file>
 
 <file path=ppt/notesSlides/notesSlide3.xml><?xml version="1.0" encoding="utf-8"?>
-<p:notes xmlns:a="http://schemas.openxmlformats.org/drawingml/2006/main" xmlns:r="http://schemas.openxmlformats.org/officeDocument/2006/relationships" xmlns:p="http://schemas.openxmlformats.org/presentationml/2006/main">
+<p:notes xmlns:a="http://schemas.openxmlformats.org/drawingml/2006/main" xmlns:r="http://schemas.openxmlformats.org/officeDocument/2006/relationships" xmlns:mc="http://schemas.openxmlformats.org/markup-compatibility/2006" xmlns:mv="urn:schemas-microsoft-com:mac:vml" xmlns:p="http://schemas.openxmlformats.org/presentationml/2006/main" mc:Ignorable="mv" mc:PreserveAttributes="mv:*">
   <p:cSld>
     <p:spTree>
       <p:nvGrpSpPr>
@@ -687,65 +684,91 @@
       </p:grpSpPr>
       <p:sp>
         <p:nvSpPr>
-          <p:cNvPr id="2" name="Slide Image Placeholder 1"/>
-          <p:cNvSpPr>
-            <a:spLocks noGrp="1" noRot="1" noChangeAspect="1"/>
+          <p:cNvPr id="304129" name="Rectangle 7"/>
+          <p:cNvSpPr txBox="1">
+            <a:spLocks noGrp="1" noChangeArrowheads="1"/>
+          </p:cNvSpPr>
+          <p:nvPr/>
+        </p:nvSpPr>
+        <p:spPr bwMode="auto">
+          <a:xfrm>
+            <a:off x="3886200" y="8686489"/>
+            <a:ext cx="2971800" cy="457512"/>
+          </a:xfrm>
+          <a:prstGeom prst="rect">
+            <a:avLst/>
+          </a:prstGeom>
+          <a:noFill/>
+          <a:ln>
+            <a:miter lim="800000"/>
+            <a:headEnd/>
+            <a:tailEnd/>
+          </a:ln>
+        </p:spPr>
+        <p:txBody>
+          <a:bodyPr anchor="b"/>
+          <a:lstStyle/>
+          <a:p>
+            <a:pPr algn="r" eaLnBrk="0" hangingPunct="0">
+              <a:defRPr/>
+            </a:pPr>
+            <a:fld id="{5639B2D1-4F62-47BF-B141-83C0868A9AB5}" type="slidenum">
+              <a:rPr lang="en-US" sz="1200">
+                <a:ea typeface="ＭＳ Ｐゴシック" pitchFamily="34" charset="-128"/>
+                <a:cs typeface="+mn-cs"/>
+              </a:rPr>
+              <a:pPr algn="r" eaLnBrk="0" hangingPunct="0">
+                <a:defRPr/>
+              </a:pPr>
+              <a:t>3</a:t>
+            </a:fld>
+            <a:endParaRPr lang="en-US" sz="1200" dirty="0">
+              <a:ea typeface="ＭＳ Ｐゴシック" pitchFamily="34" charset="-128"/>
+              <a:cs typeface="+mn-cs"/>
+            </a:endParaRPr>
+          </a:p>
+        </p:txBody>
+      </p:sp>
+      <p:sp>
+        <p:nvSpPr>
+          <p:cNvPr id="97282" name="Rectangle 2"/>
+          <p:cNvSpPr>
+            <a:spLocks noGrp="1" noRot="1" noChangeAspect="1" noChangeArrowheads="1" noTextEdit="1"/>
           </p:cNvSpPr>
           <p:nvPr>
             <p:ph type="sldImg"/>
           </p:nvPr>
         </p:nvSpPr>
-        <p:spPr/>
-      </p:sp>
-      <p:sp>
-        <p:nvSpPr>
-          <p:cNvPr id="3" name="Notes Placeholder 2"/>
-          <p:cNvSpPr>
-            <a:spLocks noGrp="1"/>
+        <p:spPr>
+          <a:ln/>
+        </p:spPr>
+      </p:sp>
+      <p:sp>
+        <p:nvSpPr>
+          <p:cNvPr id="97283" name="Rectangle 3"/>
+          <p:cNvSpPr>
+            <a:spLocks noGrp="1" noChangeArrowheads="1"/>
           </p:cNvSpPr>
           <p:nvPr>
             <p:ph type="body" idx="1"/>
           </p:nvPr>
         </p:nvSpPr>
-        <p:spPr/>
+        <p:spPr>
+          <a:noFill/>
+          <a:ln/>
+        </p:spPr>
         <p:txBody>
           <a:bodyPr/>
           <a:lstStyle/>
           <a:p>
-            <a:endParaRPr lang="en-US"/>
-          </a:p>
-        </p:txBody>
-      </p:sp>
-      <p:sp>
-        <p:nvSpPr>
-          <p:cNvPr id="4" name="Slide Number Placeholder 3"/>
-          <p:cNvSpPr>
-            <a:spLocks noGrp="1"/>
-          </p:cNvSpPr>
-          <p:nvPr>
-            <p:ph type="sldNum" sz="quarter" idx="10"/>
-          </p:nvPr>
-        </p:nvSpPr>
-        <p:spPr/>
-        <p:txBody>
-          <a:bodyPr/>
-          <a:lstStyle/>
-          <a:p>
-            <a:fld id="{3560C2FB-C494-1A46-A471-884A4E75440F}" type="slidenum">
-              <a:rPr lang="en-US" smtClean="0"/>
-              <a:pPr/>
-              <a:t>3</a:t>
-            </a:fld>
-            <a:endParaRPr lang="en-US" dirty="0"/>
+            <a:pPr eaLnBrk="1" hangingPunct="1"/>
+            <a:endParaRPr lang="en-US" dirty="0" smtClean="0">
+              <a:ea typeface="ＭＳ Ｐゴシック"/>
+            </a:endParaRPr>
           </a:p>
         </p:txBody>
       </p:sp>
     </p:spTree>
-    <p:extLst>
-      <p:ext uri="{BB962C8B-B14F-4D97-AF65-F5344CB8AC3E}">
-        <p14:creationId xmlns:p14="http://schemas.microsoft.com/office/powerpoint/2010/main" val="963676054"/>
-      </p:ext>
-    </p:extLst>
   </p:cSld>
   <p:clrMapOvr>
     <a:masterClrMapping/>
@@ -754,7 +777,7 @@
 </file>
 
 <file path=ppt/notesSlides/notesSlide4.xml><?xml version="1.0" encoding="utf-8"?>
-<p:notes xmlns:a="http://schemas.openxmlformats.org/drawingml/2006/main" xmlns:r="http://schemas.openxmlformats.org/officeDocument/2006/relationships" xmlns:p="http://schemas.openxmlformats.org/presentationml/2006/main">
+<p:notes xmlns:a="http://schemas.openxmlformats.org/drawingml/2006/main" xmlns:r="http://schemas.openxmlformats.org/officeDocument/2006/relationships" xmlns:mc="http://schemas.openxmlformats.org/markup-compatibility/2006" xmlns:mv="urn:schemas-microsoft-com:mac:vml" xmlns:p="http://schemas.openxmlformats.org/presentationml/2006/main" mc:Ignorable="mv" mc:PreserveAttributes="mv:*">
   <p:cSld>
     <p:spTree>
       <p:nvGrpSpPr>
@@ -828,288 +851,7 @@
     </p:spTree>
     <p:extLst>
       <p:ext uri="{BB962C8B-B14F-4D97-AF65-F5344CB8AC3E}">
-        <p14:creationId xmlns:p14="http://schemas.microsoft.com/office/powerpoint/2010/main" val="963676054"/>
-      </p:ext>
-    </p:extLst>
-  </p:cSld>
-  <p:clrMapOvr>
-    <a:masterClrMapping/>
-  </p:clrMapOvr>
-</p:notes>
-</file>
-
-<file path=ppt/notesSlides/notesSlide5.xml><?xml version="1.0" encoding="utf-8"?>
-<p:notes xmlns:a="http://schemas.openxmlformats.org/drawingml/2006/main" xmlns:r="http://schemas.openxmlformats.org/officeDocument/2006/relationships" xmlns:p="http://schemas.openxmlformats.org/presentationml/2006/main">
-  <p:cSld>
-    <p:spTree>
-      <p:nvGrpSpPr>
-        <p:cNvPr id="1" name=""/>
-        <p:cNvGrpSpPr/>
-        <p:nvPr/>
-      </p:nvGrpSpPr>
-      <p:grpSpPr>
-        <a:xfrm>
-          <a:off x="0" y="0"/>
-          <a:ext cx="0" cy="0"/>
-          <a:chOff x="0" y="0"/>
-          <a:chExt cx="0" cy="0"/>
-        </a:xfrm>
-      </p:grpSpPr>
-      <p:sp>
-        <p:nvSpPr>
-          <p:cNvPr id="2" name="Slide Image Placeholder 1"/>
-          <p:cNvSpPr>
-            <a:spLocks noGrp="1" noRot="1" noChangeAspect="1"/>
-          </p:cNvSpPr>
-          <p:nvPr>
-            <p:ph type="sldImg"/>
-          </p:nvPr>
-        </p:nvSpPr>
-        <p:spPr/>
-      </p:sp>
-      <p:sp>
-        <p:nvSpPr>
-          <p:cNvPr id="3" name="Notes Placeholder 2"/>
-          <p:cNvSpPr>
-            <a:spLocks noGrp="1"/>
-          </p:cNvSpPr>
-          <p:nvPr>
-            <p:ph type="body" idx="1"/>
-          </p:nvPr>
-        </p:nvSpPr>
-        <p:spPr/>
-        <p:txBody>
-          <a:bodyPr/>
-          <a:lstStyle/>
-          <a:p>
-            <a:endParaRPr lang="en-US"/>
-          </a:p>
-        </p:txBody>
-      </p:sp>
-      <p:sp>
-        <p:nvSpPr>
-          <p:cNvPr id="4" name="Slide Number Placeholder 3"/>
-          <p:cNvSpPr>
-            <a:spLocks noGrp="1"/>
-          </p:cNvSpPr>
-          <p:nvPr>
-            <p:ph type="sldNum" sz="quarter" idx="10"/>
-          </p:nvPr>
-        </p:nvSpPr>
-        <p:spPr/>
-        <p:txBody>
-          <a:bodyPr/>
-          <a:lstStyle/>
-          <a:p>
-            <a:fld id="{3560C2FB-C494-1A46-A471-884A4E75440F}" type="slidenum">
-              <a:rPr lang="en-US" smtClean="0"/>
-              <a:pPr/>
-              <a:t>5</a:t>
-            </a:fld>
-            <a:endParaRPr lang="en-US" dirty="0"/>
-          </a:p>
-        </p:txBody>
-      </p:sp>
-    </p:spTree>
-    <p:extLst>
-      <p:ext uri="{BB962C8B-B14F-4D97-AF65-F5344CB8AC3E}">
-        <p14:creationId xmlns:p14="http://schemas.microsoft.com/office/powerpoint/2010/main" val="963676054"/>
-      </p:ext>
-    </p:extLst>
-  </p:cSld>
-  <p:clrMapOvr>
-    <a:masterClrMapping/>
-  </p:clrMapOvr>
-</p:notes>
-</file>
-
-<file path=ppt/notesSlides/notesSlide6.xml><?xml version="1.0" encoding="utf-8"?>
-<p:notes xmlns:a="http://schemas.openxmlformats.org/drawingml/2006/main" xmlns:r="http://schemas.openxmlformats.org/officeDocument/2006/relationships" xmlns:p="http://schemas.openxmlformats.org/presentationml/2006/main">
-  <p:cSld>
-    <p:spTree>
-      <p:nvGrpSpPr>
-        <p:cNvPr id="1" name=""/>
-        <p:cNvGrpSpPr/>
-        <p:nvPr/>
-      </p:nvGrpSpPr>
-      <p:grpSpPr>
-        <a:xfrm>
-          <a:off x="0" y="0"/>
-          <a:ext cx="0" cy="0"/>
-          <a:chOff x="0" y="0"/>
-          <a:chExt cx="0" cy="0"/>
-        </a:xfrm>
-      </p:grpSpPr>
-      <p:sp>
-        <p:nvSpPr>
-          <p:cNvPr id="304129" name="Rectangle 7"/>
-          <p:cNvSpPr txBox="1">
-            <a:spLocks noGrp="1" noChangeArrowheads="1"/>
-          </p:cNvSpPr>
-          <p:nvPr/>
-        </p:nvSpPr>
-        <p:spPr bwMode="auto">
-          <a:xfrm>
-            <a:off x="3886200" y="8686489"/>
-            <a:ext cx="2971800" cy="457512"/>
-          </a:xfrm>
-          <a:prstGeom prst="rect">
-            <a:avLst/>
-          </a:prstGeom>
-          <a:noFill/>
-          <a:ln>
-            <a:miter lim="800000"/>
-            <a:headEnd/>
-            <a:tailEnd/>
-          </a:ln>
-        </p:spPr>
-        <p:txBody>
-          <a:bodyPr anchor="b"/>
-          <a:lstStyle/>
-          <a:p>
-            <a:pPr algn="r" eaLnBrk="0" hangingPunct="0">
-              <a:defRPr/>
-            </a:pPr>
-            <a:fld id="{5639B2D1-4F62-47BF-B141-83C0868A9AB5}" type="slidenum">
-              <a:rPr lang="en-US" sz="1200">
-                <a:ea typeface="ＭＳ Ｐゴシック" pitchFamily="34" charset="-128"/>
-                <a:cs typeface="+mn-cs"/>
-              </a:rPr>
-              <a:pPr algn="r" eaLnBrk="0" hangingPunct="0">
-                <a:defRPr/>
-              </a:pPr>
-              <a:t>6</a:t>
-            </a:fld>
-            <a:endParaRPr lang="en-US" sz="1200" dirty="0">
-              <a:ea typeface="ＭＳ Ｐゴシック" pitchFamily="34" charset="-128"/>
-              <a:cs typeface="+mn-cs"/>
-            </a:endParaRPr>
-          </a:p>
-        </p:txBody>
-      </p:sp>
-      <p:sp>
-        <p:nvSpPr>
-          <p:cNvPr id="97282" name="Rectangle 2"/>
-          <p:cNvSpPr>
-            <a:spLocks noGrp="1" noRot="1" noChangeAspect="1" noChangeArrowheads="1" noTextEdit="1"/>
-          </p:cNvSpPr>
-          <p:nvPr>
-            <p:ph type="sldImg"/>
-          </p:nvPr>
-        </p:nvSpPr>
-        <p:spPr>
-          <a:ln/>
-        </p:spPr>
-      </p:sp>
-      <p:sp>
-        <p:nvSpPr>
-          <p:cNvPr id="97283" name="Rectangle 3"/>
-          <p:cNvSpPr>
-            <a:spLocks noGrp="1" noChangeArrowheads="1"/>
-          </p:cNvSpPr>
-          <p:nvPr>
-            <p:ph type="body" idx="1"/>
-          </p:nvPr>
-        </p:nvSpPr>
-        <p:spPr>
-          <a:noFill/>
-          <a:ln/>
-        </p:spPr>
-        <p:txBody>
-          <a:bodyPr/>
-          <a:lstStyle/>
-          <a:p>
-            <a:pPr eaLnBrk="1" hangingPunct="1"/>
-            <a:endParaRPr lang="en-US" dirty="0" smtClean="0">
-              <a:ea typeface="ＭＳ Ｐゴシック"/>
-            </a:endParaRPr>
-          </a:p>
-        </p:txBody>
-      </p:sp>
-    </p:spTree>
-  </p:cSld>
-  <p:clrMapOvr>
-    <a:masterClrMapping/>
-  </p:clrMapOvr>
-</p:notes>
-</file>
-
-<file path=ppt/notesSlides/notesSlide7.xml><?xml version="1.0" encoding="utf-8"?>
-<p:notes xmlns:a="http://schemas.openxmlformats.org/drawingml/2006/main" xmlns:r="http://schemas.openxmlformats.org/officeDocument/2006/relationships" xmlns:p="http://schemas.openxmlformats.org/presentationml/2006/main">
-  <p:cSld>
-    <p:spTree>
-      <p:nvGrpSpPr>
-        <p:cNvPr id="1" name=""/>
-        <p:cNvGrpSpPr/>
-        <p:nvPr/>
-      </p:nvGrpSpPr>
-      <p:grpSpPr>
-        <a:xfrm>
-          <a:off x="0" y="0"/>
-          <a:ext cx="0" cy="0"/>
-          <a:chOff x="0" y="0"/>
-          <a:chExt cx="0" cy="0"/>
-        </a:xfrm>
-      </p:grpSpPr>
-      <p:sp>
-        <p:nvSpPr>
-          <p:cNvPr id="2" name="Slide Image Placeholder 1"/>
-          <p:cNvSpPr>
-            <a:spLocks noGrp="1" noRot="1" noChangeAspect="1"/>
-          </p:cNvSpPr>
-          <p:nvPr>
-            <p:ph type="sldImg"/>
-          </p:nvPr>
-        </p:nvSpPr>
-        <p:spPr/>
-      </p:sp>
-      <p:sp>
-        <p:nvSpPr>
-          <p:cNvPr id="3" name="Notes Placeholder 2"/>
-          <p:cNvSpPr>
-            <a:spLocks noGrp="1"/>
-          </p:cNvSpPr>
-          <p:nvPr>
-            <p:ph type="body" idx="1"/>
-          </p:nvPr>
-        </p:nvSpPr>
-        <p:spPr/>
-        <p:txBody>
-          <a:bodyPr/>
-          <a:lstStyle/>
-          <a:p>
-            <a:endParaRPr lang="en-US"/>
-          </a:p>
-        </p:txBody>
-      </p:sp>
-      <p:sp>
-        <p:nvSpPr>
-          <p:cNvPr id="4" name="Slide Number Placeholder 3"/>
-          <p:cNvSpPr>
-            <a:spLocks noGrp="1"/>
-          </p:cNvSpPr>
-          <p:nvPr>
-            <p:ph type="sldNum" sz="quarter" idx="10"/>
-          </p:nvPr>
-        </p:nvSpPr>
-        <p:spPr/>
-        <p:txBody>
-          <a:bodyPr/>
-          <a:lstStyle/>
-          <a:p>
-            <a:fld id="{3560C2FB-C494-1A46-A471-884A4E75440F}" type="slidenum">
-              <a:rPr lang="en-US" smtClean="0"/>
-              <a:pPr/>
-              <a:t>7</a:t>
-            </a:fld>
-            <a:endParaRPr lang="en-US" dirty="0"/>
-          </a:p>
-        </p:txBody>
-      </p:sp>
-    </p:spTree>
-    <p:extLst>
-      <p:ext uri="{BB962C8B-B14F-4D97-AF65-F5344CB8AC3E}">
-        <p14:creationId xmlns:p14="http://schemas.microsoft.com/office/powerpoint/2010/main" val="1443086944"/>
+        <p14:creationId xmlns:p14="http://schemas.microsoft.com/office/powerpoint/2010/main" xmlns:p="http://schemas.openxmlformats.org/presentationml/2006/main" xmlns:r="http://schemas.openxmlformats.org/officeDocument/2006/relationships" xmlns:a="http://schemas.openxmlformats.org/drawingml/2006/main" xmlns="" val="1443086944"/>
       </p:ext>
     </p:extLst>
   </p:cSld>
@@ -1120,7 +862,7 @@
 </file>
 
 <file path=ppt/slideLayouts/slideLayout1.xml><?xml version="1.0" encoding="utf-8"?>
-<p:sldLayout xmlns:a="http://schemas.openxmlformats.org/drawingml/2006/main" xmlns:r="http://schemas.openxmlformats.org/officeDocument/2006/relationships" xmlns:p="http://schemas.openxmlformats.org/presentationml/2006/main" type="title" preserve="1">
+<p:sldLayout xmlns:a="http://schemas.openxmlformats.org/drawingml/2006/main" xmlns:r="http://schemas.openxmlformats.org/officeDocument/2006/relationships" xmlns:mc="http://schemas.openxmlformats.org/markup-compatibility/2006" xmlns:mv="urn:schemas-microsoft-com:mac:vml" xmlns:p="http://schemas.openxmlformats.org/presentationml/2006/main" mc:Ignorable="mv" mc:PreserveAttributes="mv:*" type="title" preserve="1">
   <p:cSld name="Title Slide">
     <p:bg>
       <p:bgPr>
@@ -1344,7 +1086,7 @@
 </file>
 
 <file path=ppt/slideLayouts/slideLayout10.xml><?xml version="1.0" encoding="utf-8"?>
-<p:sldLayout xmlns:a="http://schemas.openxmlformats.org/drawingml/2006/main" xmlns:r="http://schemas.openxmlformats.org/officeDocument/2006/relationships" xmlns:p="http://schemas.openxmlformats.org/presentationml/2006/main" preserve="1" userDrawn="1">
+<p:sldLayout xmlns:a="http://schemas.openxmlformats.org/drawingml/2006/main" xmlns:r="http://schemas.openxmlformats.org/officeDocument/2006/relationships" xmlns:mc="http://schemas.openxmlformats.org/markup-compatibility/2006" xmlns:mv="urn:schemas-microsoft-com:mac:vml" xmlns:p="http://schemas.openxmlformats.org/presentationml/2006/main" mc:Ignorable="mv" mc:PreserveAttributes="mv:*" preserve="1" userDrawn="1">
   <p:cSld name="Impact Slide - Pink">
     <p:bg>
       <p:bgPr>
@@ -1417,7 +1159,7 @@
 </file>
 
 <file path=ppt/slideLayouts/slideLayout11.xml><?xml version="1.0" encoding="utf-8"?>
-<p:sldLayout xmlns:a="http://schemas.openxmlformats.org/drawingml/2006/main" xmlns:r="http://schemas.openxmlformats.org/officeDocument/2006/relationships" xmlns:p="http://schemas.openxmlformats.org/presentationml/2006/main" preserve="1" userDrawn="1">
+<p:sldLayout xmlns:a="http://schemas.openxmlformats.org/drawingml/2006/main" xmlns:r="http://schemas.openxmlformats.org/officeDocument/2006/relationships" xmlns:mc="http://schemas.openxmlformats.org/markup-compatibility/2006" xmlns:mv="urn:schemas-microsoft-com:mac:vml" xmlns:p="http://schemas.openxmlformats.org/presentationml/2006/main" mc:Ignorable="mv" mc:PreserveAttributes="mv:*" preserve="1" userDrawn="1">
   <p:cSld name="Quote Slide - Neutral">
     <p:bg>
       <p:bgPr>
@@ -1576,7 +1318,7 @@
 </file>
 
 <file path=ppt/slideLayouts/slideLayout12.xml><?xml version="1.0" encoding="utf-8"?>
-<p:sldLayout xmlns:a="http://schemas.openxmlformats.org/drawingml/2006/main" xmlns:r="http://schemas.openxmlformats.org/officeDocument/2006/relationships" xmlns:p="http://schemas.openxmlformats.org/presentationml/2006/main" preserve="1" userDrawn="1">
+<p:sldLayout xmlns:a="http://schemas.openxmlformats.org/drawingml/2006/main" xmlns:r="http://schemas.openxmlformats.org/officeDocument/2006/relationships" xmlns:mc="http://schemas.openxmlformats.org/markup-compatibility/2006" xmlns:mv="urn:schemas-microsoft-com:mac:vml" xmlns:p="http://schemas.openxmlformats.org/presentationml/2006/main" mc:Ignorable="mv" mc:PreserveAttributes="mv:*" preserve="1" userDrawn="1">
   <p:cSld name="Quote Slide - Teal">
     <p:bg>
       <p:bgPr>
@@ -1729,7 +1471,7 @@
 </file>
 
 <file path=ppt/slideLayouts/slideLayout13.xml><?xml version="1.0" encoding="utf-8"?>
-<p:sldLayout xmlns:a="http://schemas.openxmlformats.org/drawingml/2006/main" xmlns:r="http://schemas.openxmlformats.org/officeDocument/2006/relationships" xmlns:p="http://schemas.openxmlformats.org/presentationml/2006/main" preserve="1" userDrawn="1">
+<p:sldLayout xmlns:a="http://schemas.openxmlformats.org/drawingml/2006/main" xmlns:r="http://schemas.openxmlformats.org/officeDocument/2006/relationships" xmlns:mc="http://schemas.openxmlformats.org/markup-compatibility/2006" xmlns:mv="urn:schemas-microsoft-com:mac:vml" xmlns:p="http://schemas.openxmlformats.org/presentationml/2006/main" mc:Ignorable="mv" mc:PreserveAttributes="mv:*" preserve="1" userDrawn="1">
   <p:cSld name="Quote Slide - Green">
     <p:bg>
       <p:bgPr>
@@ -1882,7 +1624,7 @@
 </file>
 
 <file path=ppt/slideLayouts/slideLayout14.xml><?xml version="1.0" encoding="utf-8"?>
-<p:sldLayout xmlns:a="http://schemas.openxmlformats.org/drawingml/2006/main" xmlns:r="http://schemas.openxmlformats.org/officeDocument/2006/relationships" xmlns:p="http://schemas.openxmlformats.org/presentationml/2006/main" preserve="1" userDrawn="1">
+<p:sldLayout xmlns:a="http://schemas.openxmlformats.org/drawingml/2006/main" xmlns:r="http://schemas.openxmlformats.org/officeDocument/2006/relationships" xmlns:mc="http://schemas.openxmlformats.org/markup-compatibility/2006" xmlns:mv="urn:schemas-microsoft-com:mac:vml" xmlns:p="http://schemas.openxmlformats.org/presentationml/2006/main" mc:Ignorable="mv" mc:PreserveAttributes="mv:*" preserve="1" userDrawn="1">
   <p:cSld name="Orange Quote Slide">
     <p:bg>
       <p:bgPr>
@@ -2035,7 +1777,7 @@
 </file>
 
 <file path=ppt/slideLayouts/slideLayout15.xml><?xml version="1.0" encoding="utf-8"?>
-<p:sldLayout xmlns:a="http://schemas.openxmlformats.org/drawingml/2006/main" xmlns:r="http://schemas.openxmlformats.org/officeDocument/2006/relationships" xmlns:p="http://schemas.openxmlformats.org/presentationml/2006/main" preserve="1" userDrawn="1">
+<p:sldLayout xmlns:a="http://schemas.openxmlformats.org/drawingml/2006/main" xmlns:r="http://schemas.openxmlformats.org/officeDocument/2006/relationships" xmlns:mc="http://schemas.openxmlformats.org/markup-compatibility/2006" xmlns:mv="urn:schemas-microsoft-com:mac:vml" xmlns:p="http://schemas.openxmlformats.org/presentationml/2006/main" mc:Ignorable="mv" mc:PreserveAttributes="mv:*" preserve="1" userDrawn="1">
   <p:cSld name="Quote Slide - Pink">
     <p:bg>
       <p:bgPr>
@@ -2188,7 +1930,7 @@
 </file>
 
 <file path=ppt/slideLayouts/slideLayout16.xml><?xml version="1.0" encoding="utf-8"?>
-<p:sldLayout xmlns:a="http://schemas.openxmlformats.org/drawingml/2006/main" xmlns:r="http://schemas.openxmlformats.org/officeDocument/2006/relationships" xmlns:p="http://schemas.openxmlformats.org/presentationml/2006/main" preserve="1" userDrawn="1">
+<p:sldLayout xmlns:a="http://schemas.openxmlformats.org/drawingml/2006/main" xmlns:r="http://schemas.openxmlformats.org/officeDocument/2006/relationships" xmlns:mc="http://schemas.openxmlformats.org/markup-compatibility/2006" xmlns:mv="urn:schemas-microsoft-com:mac:vml" xmlns:p="http://schemas.openxmlformats.org/presentationml/2006/main" mc:Ignorable="mv" mc:PreserveAttributes="mv:*" preserve="1" userDrawn="1">
   <p:cSld name="Thank You - Teal">
     <p:bg>
       <p:bgPr>
@@ -2319,7 +2061,7 @@
 </file>
 
 <file path=ppt/slideLayouts/slideLayout17.xml><?xml version="1.0" encoding="utf-8"?>
-<p:sldLayout xmlns:a="http://schemas.openxmlformats.org/drawingml/2006/main" xmlns:r="http://schemas.openxmlformats.org/officeDocument/2006/relationships" xmlns:p="http://schemas.openxmlformats.org/presentationml/2006/main" preserve="1" userDrawn="1">
+<p:sldLayout xmlns:a="http://schemas.openxmlformats.org/drawingml/2006/main" xmlns:r="http://schemas.openxmlformats.org/officeDocument/2006/relationships" xmlns:mc="http://schemas.openxmlformats.org/markup-compatibility/2006" xmlns:mv="urn:schemas-microsoft-com:mac:vml" xmlns:p="http://schemas.openxmlformats.org/presentationml/2006/main" mc:Ignorable="mv" mc:PreserveAttributes="mv:*" preserve="1" userDrawn="1">
   <p:cSld name="Thank You - Green">
     <p:bg>
       <p:bgPr>
@@ -2450,7 +2192,7 @@
 </file>
 
 <file path=ppt/slideLayouts/slideLayout18.xml><?xml version="1.0" encoding="utf-8"?>
-<p:sldLayout xmlns:a="http://schemas.openxmlformats.org/drawingml/2006/main" xmlns:r="http://schemas.openxmlformats.org/officeDocument/2006/relationships" xmlns:p="http://schemas.openxmlformats.org/presentationml/2006/main" userDrawn="1">
+<p:sldLayout xmlns:a="http://schemas.openxmlformats.org/drawingml/2006/main" xmlns:r="http://schemas.openxmlformats.org/officeDocument/2006/relationships" xmlns:mc="http://schemas.openxmlformats.org/markup-compatibility/2006" xmlns:mv="urn:schemas-microsoft-com:mac:vml" xmlns:p="http://schemas.openxmlformats.org/presentationml/2006/main" mc:Ignorable="mv" mc:PreserveAttributes="mv:*" userDrawn="1">
   <p:cSld name="Thank You - Orange">
     <p:bg>
       <p:bgPr>
@@ -2581,7 +2323,7 @@
 </file>
 
 <file path=ppt/slideLayouts/slideLayout19.xml><?xml version="1.0" encoding="utf-8"?>
-<p:sldLayout xmlns:a="http://schemas.openxmlformats.org/drawingml/2006/main" xmlns:r="http://schemas.openxmlformats.org/officeDocument/2006/relationships" xmlns:p="http://schemas.openxmlformats.org/presentationml/2006/main" userDrawn="1">
+<p:sldLayout xmlns:a="http://schemas.openxmlformats.org/drawingml/2006/main" xmlns:r="http://schemas.openxmlformats.org/officeDocument/2006/relationships" xmlns:mc="http://schemas.openxmlformats.org/markup-compatibility/2006" xmlns:mv="urn:schemas-microsoft-com:mac:vml" xmlns:p="http://schemas.openxmlformats.org/presentationml/2006/main" mc:Ignorable="mv" mc:PreserveAttributes="mv:*" userDrawn="1">
   <p:cSld name="Thank You - Pink">
     <p:bg>
       <p:bgPr>
@@ -2712,7 +2454,7 @@
 </file>
 
 <file path=ppt/slideLayouts/slideLayout2.xml><?xml version="1.0" encoding="utf-8"?>
-<p:sldLayout xmlns:a="http://schemas.openxmlformats.org/drawingml/2006/main" xmlns:r="http://schemas.openxmlformats.org/officeDocument/2006/relationships" xmlns:p="http://schemas.openxmlformats.org/presentationml/2006/main" preserve="1" userDrawn="1">
+<p:sldLayout xmlns:a="http://schemas.openxmlformats.org/drawingml/2006/main" xmlns:r="http://schemas.openxmlformats.org/officeDocument/2006/relationships" xmlns:mc="http://schemas.openxmlformats.org/markup-compatibility/2006" xmlns:mv="urn:schemas-microsoft-com:mac:vml" xmlns:p="http://schemas.openxmlformats.org/presentationml/2006/main" mc:Ignorable="mv" mc:PreserveAttributes="mv:*" preserve="1" userDrawn="1">
   <p:cSld name="Title and Single Element">
     <p:spTree>
       <p:nvGrpSpPr>
@@ -3043,7 +2785,7 @@
 </file>
 
 <file path=ppt/slideLayouts/slideLayout3.xml><?xml version="1.0" encoding="utf-8"?>
-<p:sldLayout xmlns:a="http://schemas.openxmlformats.org/drawingml/2006/main" xmlns:r="http://schemas.openxmlformats.org/officeDocument/2006/relationships" xmlns:p="http://schemas.openxmlformats.org/presentationml/2006/main" preserve="1" userDrawn="1">
+<p:sldLayout xmlns:a="http://schemas.openxmlformats.org/drawingml/2006/main" xmlns:r="http://schemas.openxmlformats.org/officeDocument/2006/relationships" xmlns:mc="http://schemas.openxmlformats.org/markup-compatibility/2006" xmlns:mv="urn:schemas-microsoft-com:mac:vml" xmlns:p="http://schemas.openxmlformats.org/presentationml/2006/main" mc:Ignorable="mv" mc:PreserveAttributes="mv:*" preserve="1" userDrawn="1">
   <p:cSld name="Title and Two Element">
     <p:spTree>
       <p:nvGrpSpPr>
@@ -3435,7 +3177,7 @@
 </file>
 
 <file path=ppt/slideLayouts/slideLayout4.xml><?xml version="1.0" encoding="utf-8"?>
-<p:sldLayout xmlns:a="http://schemas.openxmlformats.org/drawingml/2006/main" xmlns:r="http://schemas.openxmlformats.org/officeDocument/2006/relationships" xmlns:p="http://schemas.openxmlformats.org/presentationml/2006/main" preserve="1" userDrawn="1">
+<p:sldLayout xmlns:a="http://schemas.openxmlformats.org/drawingml/2006/main" xmlns:r="http://schemas.openxmlformats.org/officeDocument/2006/relationships" xmlns:mc="http://schemas.openxmlformats.org/markup-compatibility/2006" xmlns:mv="urn:schemas-microsoft-com:mac:vml" xmlns:p="http://schemas.openxmlformats.org/presentationml/2006/main" mc:Ignorable="mv" mc:PreserveAttributes="mv:*" preserve="1" userDrawn="1">
   <p:cSld name="Title Only and Blank">
     <p:spTree>
       <p:nvGrpSpPr>
@@ -3709,7 +3451,7 @@
 </file>
 
 <file path=ppt/slideLayouts/slideLayout5.xml><?xml version="1.0" encoding="utf-8"?>
-<p:sldLayout xmlns:a="http://schemas.openxmlformats.org/drawingml/2006/main" xmlns:r="http://schemas.openxmlformats.org/officeDocument/2006/relationships" xmlns:p="http://schemas.openxmlformats.org/presentationml/2006/main" userDrawn="1">
+<p:sldLayout xmlns:a="http://schemas.openxmlformats.org/drawingml/2006/main" xmlns:r="http://schemas.openxmlformats.org/officeDocument/2006/relationships" xmlns:mc="http://schemas.openxmlformats.org/markup-compatibility/2006" xmlns:mv="urn:schemas-microsoft-com:mac:vml" xmlns:p="http://schemas.openxmlformats.org/presentationml/2006/main" mc:Ignorable="mv" mc:PreserveAttributes="mv:*" userDrawn="1">
   <p:cSld name="Left Text and Right Image">
     <p:spTree>
       <p:nvGrpSpPr>
@@ -4070,7 +3812,7 @@
 </file>
 
 <file path=ppt/slideLayouts/slideLayout6.xml><?xml version="1.0" encoding="utf-8"?>
-<p:sldLayout xmlns:a="http://schemas.openxmlformats.org/drawingml/2006/main" xmlns:r="http://schemas.openxmlformats.org/officeDocument/2006/relationships" xmlns:p="http://schemas.openxmlformats.org/presentationml/2006/main" preserve="1" userDrawn="1">
+<p:sldLayout xmlns:a="http://schemas.openxmlformats.org/drawingml/2006/main" xmlns:r="http://schemas.openxmlformats.org/officeDocument/2006/relationships" xmlns:mc="http://schemas.openxmlformats.org/markup-compatibility/2006" xmlns:mv="urn:schemas-microsoft-com:mac:vml" xmlns:p="http://schemas.openxmlformats.org/presentationml/2006/main" mc:Ignorable="mv" mc:PreserveAttributes="mv:*" preserve="1" userDrawn="1">
   <p:cSld name="Left Image and Right Text">
     <p:spTree>
       <p:nvGrpSpPr>
@@ -4431,7 +4173,7 @@
 </file>
 
 <file path=ppt/slideLayouts/slideLayout7.xml><?xml version="1.0" encoding="utf-8"?>
-<p:sldLayout xmlns:a="http://schemas.openxmlformats.org/drawingml/2006/main" xmlns:r="http://schemas.openxmlformats.org/officeDocument/2006/relationships" xmlns:p="http://schemas.openxmlformats.org/presentationml/2006/main" preserve="1" userDrawn="1">
+<p:sldLayout xmlns:a="http://schemas.openxmlformats.org/drawingml/2006/main" xmlns:r="http://schemas.openxmlformats.org/officeDocument/2006/relationships" xmlns:mc="http://schemas.openxmlformats.org/markup-compatibility/2006" xmlns:mv="urn:schemas-microsoft-com:mac:vml" xmlns:p="http://schemas.openxmlformats.org/presentationml/2006/main" mc:Ignorable="mv" mc:PreserveAttributes="mv:*" preserve="1" userDrawn="1">
   <p:cSld name="Impact Slide - Teal">
     <p:bg>
       <p:bgPr>
@@ -4526,7 +4268,7 @@
 </file>
 
 <file path=ppt/slideLayouts/slideLayout8.xml><?xml version="1.0" encoding="utf-8"?>
-<p:sldLayout xmlns:a="http://schemas.openxmlformats.org/drawingml/2006/main" xmlns:r="http://schemas.openxmlformats.org/officeDocument/2006/relationships" xmlns:p="http://schemas.openxmlformats.org/presentationml/2006/main" preserve="1" userDrawn="1">
+<p:sldLayout xmlns:a="http://schemas.openxmlformats.org/drawingml/2006/main" xmlns:r="http://schemas.openxmlformats.org/officeDocument/2006/relationships" xmlns:mc="http://schemas.openxmlformats.org/markup-compatibility/2006" xmlns:mv="urn:schemas-microsoft-com:mac:vml" xmlns:p="http://schemas.openxmlformats.org/presentationml/2006/main" mc:Ignorable="mv" mc:PreserveAttributes="mv:*" preserve="1" userDrawn="1">
   <p:cSld name="Impact Slide - Green">
     <p:bg>
       <p:bgPr>
@@ -4621,7 +4363,7 @@
 </file>
 
 <file path=ppt/slideLayouts/slideLayout9.xml><?xml version="1.0" encoding="utf-8"?>
-<p:sldLayout xmlns:a="http://schemas.openxmlformats.org/drawingml/2006/main" xmlns:r="http://schemas.openxmlformats.org/officeDocument/2006/relationships" xmlns:p="http://schemas.openxmlformats.org/presentationml/2006/main" preserve="1" userDrawn="1">
+<p:sldLayout xmlns:a="http://schemas.openxmlformats.org/drawingml/2006/main" xmlns:r="http://schemas.openxmlformats.org/officeDocument/2006/relationships" xmlns:mc="http://schemas.openxmlformats.org/markup-compatibility/2006" xmlns:mv="urn:schemas-microsoft-com:mac:vml" xmlns:p="http://schemas.openxmlformats.org/presentationml/2006/main" mc:Ignorable="mv" mc:PreserveAttributes="mv:*" preserve="1" userDrawn="1">
   <p:cSld name="Impact Slide - Orange">
     <p:bg>
       <p:bgPr>
@@ -4716,7 +4458,7 @@
 </file>
 
 <file path=ppt/slideMasters/slideMaster1.xml><?xml version="1.0" encoding="utf-8"?>
-<p:sldMaster xmlns:a="http://schemas.openxmlformats.org/drawingml/2006/main" xmlns:r="http://schemas.openxmlformats.org/officeDocument/2006/relationships" xmlns:p="http://schemas.openxmlformats.org/presentationml/2006/main">
+<p:sldMaster xmlns:a="http://schemas.openxmlformats.org/drawingml/2006/main" xmlns:r="http://schemas.openxmlformats.org/officeDocument/2006/relationships" xmlns:mc="http://schemas.openxmlformats.org/markup-compatibility/2006" xmlns:mv="urn:schemas-microsoft-com:mac:vml" xmlns:p="http://schemas.openxmlformats.org/presentationml/2006/main" mc:Ignorable="mv" mc:PreserveAttributes="mv:*">
   <p:cSld>
     <p:bg>
       <p:bgPr>
@@ -5338,7 +5080,7 @@
 </file>
 
 <file path=ppt/slides/slide1.xml><?xml version="1.0" encoding="utf-8"?>
-<p:sld xmlns:a="http://schemas.openxmlformats.org/drawingml/2006/main" xmlns:r="http://schemas.openxmlformats.org/officeDocument/2006/relationships" xmlns:p="http://schemas.openxmlformats.org/presentationml/2006/main">
+<p:sld xmlns:a="http://schemas.openxmlformats.org/drawingml/2006/main" xmlns:r="http://schemas.openxmlformats.org/officeDocument/2006/relationships" xmlns:mc="http://schemas.openxmlformats.org/markup-compatibility/2006" xmlns:mv="urn:schemas-microsoft-com:mac:vml" xmlns:p="http://schemas.openxmlformats.org/presentationml/2006/main" mc:Ignorable="mv" mc:PreserveAttributes="mv:*">
   <p:cSld>
     <p:spTree>
       <p:nvGrpSpPr>
@@ -5418,20 +5160,20 @@
     </p:spTree>
     <p:extLst>
       <p:ext uri="{BB962C8B-B14F-4D97-AF65-F5344CB8AC3E}">
-        <p14:creationId xmlns:p14="http://schemas.microsoft.com/office/powerpoint/2010/main" val="2352184382"/>
+        <p14:creationId xmlns:p14="http://schemas.microsoft.com/office/powerpoint/2010/main" xmlns:p="http://schemas.openxmlformats.org/presentationml/2006/main" xmlns:r="http://schemas.openxmlformats.org/officeDocument/2006/relationships" xmlns:a="http://schemas.openxmlformats.org/drawingml/2006/main" xmlns="" val="2352184382"/>
       </p:ext>
     </p:extLst>
   </p:cSld>
   <p:clrMapOvr>
     <a:masterClrMapping/>
   </p:clrMapOvr>
-  <p:transition xmlns:p14="http://schemas.microsoft.com/office/powerpoint/2010/main" spd="med">
+  <p:transition spd="med">
     <p:fade/>
   </p:transition>
   <p:timing>
     <p:tnLst>
       <p:par>
-        <p:cTn xmlns:p14="http://schemas.microsoft.com/office/powerpoint/2010/main" id="1" dur="indefinite" restart="never" nodeType="tmRoot"/>
+        <p:cTn id="1" dur="indefinite" restart="never" nodeType="tmRoot"/>
       </p:par>
     </p:tnLst>
   </p:timing>
@@ -5439,7 +5181,7 @@
 </file>
 
 <file path=ppt/slides/slide2.xml><?xml version="1.0" encoding="utf-8"?>
-<p:sld xmlns:a="http://schemas.openxmlformats.org/drawingml/2006/main" xmlns:r="http://schemas.openxmlformats.org/officeDocument/2006/relationships" xmlns:p="http://schemas.openxmlformats.org/presentationml/2006/main">
+<p:sld xmlns:a="http://schemas.openxmlformats.org/drawingml/2006/main" xmlns:r="http://schemas.openxmlformats.org/officeDocument/2006/relationships" xmlns:mc="http://schemas.openxmlformats.org/markup-compatibility/2006" xmlns:mv="urn:schemas-microsoft-com:mac:vml" xmlns:p="http://schemas.openxmlformats.org/presentationml/2006/main" mc:Ignorable="mv" mc:PreserveAttributes="mv:*">
   <p:cSld>
     <p:spTree>
       <p:nvGrpSpPr>
@@ -5472,7 +5214,7 @@
           <a:p>
             <a:r>
               <a:rPr lang="en-US" dirty="0" smtClean="0"/>
-              <a:t>Title</a:t>
+              <a:t>Media API Security</a:t>
             </a:r>
             <a:endParaRPr lang="en-US" dirty="0"/>
           </a:p>
@@ -5497,8 +5239,66 @@
           <a:p>
             <a:r>
               <a:rPr lang="en-US" sz="3200" dirty="0" smtClean="0"/>
-              <a:t>Content</a:t>
-            </a:r>
+              <a:t>There are serious risks with including your tokens in client-side scripts or </a:t>
+            </a:r>
+            <a:r>
+              <a:rPr lang="en-US" sz="3200" dirty="0" err="1" smtClean="0"/>
+              <a:t>SWFs</a:t>
+            </a:r>
+            <a:r>
+              <a:rPr lang="en-US" sz="3200" dirty="0" smtClean="0"/>
+              <a:t>, especially your WRITE tokens</a:t>
+            </a:r>
+          </a:p>
+          <a:p>
+            <a:r>
+              <a:rPr lang="en-US" sz="3200" dirty="0" smtClean="0"/>
+              <a:t>Protect your tokens</a:t>
+            </a:r>
+          </a:p>
+          <a:p>
+            <a:pPr lvl="1"/>
+            <a:r>
+              <a:rPr lang="en-US" sz="3200" dirty="0" smtClean="0"/>
+              <a:t>Create a server-side script (</a:t>
+            </a:r>
+            <a:r>
+              <a:rPr lang="en-US" sz="3200" dirty="0" smtClean="0"/>
+              <a:t>in</a:t>
+            </a:r>
+            <a:r>
+              <a:rPr lang="en-US" sz="3200" dirty="0" smtClean="0"/>
+              <a:t> PHP for exa</a:t>
+            </a:r>
+            <a:r>
+              <a:rPr lang="en-US" sz="3200" dirty="0" smtClean="0"/>
+              <a:t>mple</a:t>
+            </a:r>
+            <a:r>
+              <a:rPr lang="en-US" sz="3200" dirty="0" smtClean="0"/>
+              <a:t>) with tokens defined</a:t>
+            </a:r>
+          </a:p>
+          <a:p>
+            <a:pPr lvl="1"/>
+            <a:r>
+              <a:rPr lang="en-US" sz="3200" dirty="0" smtClean="0"/>
+              <a:t>Put your tokens in an external file which is read from your script</a:t>
+            </a:r>
+          </a:p>
+          <a:p>
+            <a:r>
+              <a:rPr lang="en-US" sz="3200" dirty="0" smtClean="0"/>
+              <a:t>Add security to your Media API calls by using HTTPS instead of HTTP</a:t>
+            </a:r>
+          </a:p>
+          <a:p>
+            <a:pPr lvl="1"/>
+            <a:r>
+              <a:rPr lang="en-US" sz="3200" dirty="0" smtClean="0"/>
+              <a:t>Instructs browser to encrypt the transaction, including your token</a:t>
+            </a:r>
+            <a:endParaRPr lang="en-US" sz="3200" dirty="0" smtClean="0"/>
           </a:p>
           <a:p>
             <a:endParaRPr lang="en-US" sz="3200" dirty="0"/>
@@ -5508,7 +5308,7 @@
     </p:spTree>
     <p:extLst>
       <p:ext uri="{BB962C8B-B14F-4D97-AF65-F5344CB8AC3E}">
-        <p14:creationId xmlns:p14="http://schemas.microsoft.com/office/powerpoint/2010/main" val="1723545958"/>
+        <p14:creationId xmlns:p14="http://schemas.microsoft.com/office/powerpoint/2010/main" xmlns:p="http://schemas.openxmlformats.org/presentationml/2006/main" xmlns:r="http://schemas.openxmlformats.org/officeDocument/2006/relationships" xmlns:a="http://schemas.openxmlformats.org/drawingml/2006/main" xmlns="" val="1723545958"/>
       </p:ext>
     </p:extLst>
   </p:cSld>
@@ -5518,7 +5318,7 @@
   <p:timing>
     <p:tnLst>
       <p:par>
-        <p:cTn xmlns:p14="http://schemas.microsoft.com/office/powerpoint/2010/main" id="1" dur="indefinite" restart="never" nodeType="tmRoot"/>
+        <p:cTn id="1" dur="indefinite" restart="never" nodeType="tmRoot"/>
       </p:par>
     </p:tnLst>
   </p:timing>
@@ -5526,7 +5326,7 @@
 </file>
 
 <file path=ppt/slides/slide3.xml><?xml version="1.0" encoding="utf-8"?>
-<p:sld xmlns:a="http://schemas.openxmlformats.org/drawingml/2006/main" xmlns:r="http://schemas.openxmlformats.org/officeDocument/2006/relationships" xmlns:p="http://schemas.openxmlformats.org/presentationml/2006/main">
+<p:sld xmlns:a="http://schemas.openxmlformats.org/drawingml/2006/main" xmlns:r="http://schemas.openxmlformats.org/officeDocument/2006/relationships" xmlns:mc="http://schemas.openxmlformats.org/markup-compatibility/2006" xmlns:mv="urn:schemas-microsoft-com:mac:vml" xmlns:p="http://schemas.openxmlformats.org/presentationml/2006/main" mc:Ignorable="mv" mc:PreserveAttributes="mv:*">
   <p:cSld>
     <p:spTree>
       <p:nvGrpSpPr>
@@ -5544,68 +5344,124 @@
       </p:grpSpPr>
       <p:sp>
         <p:nvSpPr>
-          <p:cNvPr id="3" name="Title 2"/>
-          <p:cNvSpPr>
-            <a:spLocks noGrp="1"/>
-          </p:cNvSpPr>
-          <p:nvPr>
-            <p:ph type="title"/>
-          </p:nvPr>
-        </p:nvSpPr>
-        <p:spPr/>
+          <p:cNvPr id="303106" name="Slide Number Placeholder 3"/>
+          <p:cNvSpPr txBox="1">
+            <a:spLocks noGrp="1"/>
+          </p:cNvSpPr>
+          <p:nvPr/>
+        </p:nvSpPr>
+        <p:spPr bwMode="auto">
+          <a:xfrm>
+            <a:off x="315868" y="9189943"/>
+            <a:ext cx="866378" cy="541514"/>
+          </a:xfrm>
+          <a:prstGeom prst="rect">
+            <a:avLst/>
+          </a:prstGeom>
+          <a:noFill/>
+          <a:ln>
+            <a:miter lim="800000"/>
+            <a:headEnd/>
+            <a:tailEnd/>
+          </a:ln>
+        </p:spPr>
+        <p:txBody>
+          <a:bodyPr lIns="154707" tIns="77354" rIns="154707" bIns="77354"/>
+          <a:lstStyle/>
+          <a:p>
+            <a:pPr eaLnBrk="0" hangingPunct="0">
+              <a:defRPr/>
+            </a:pPr>
+            <a:fld id="{1BD3BB7B-F997-4B7C-BCBE-A063D59C732E}" type="slidenum">
+              <a:rPr lang="en-US" sz="1500" b="1">
+                <a:solidFill>
+                  <a:srgbClr val="7B7B7B"/>
+                </a:solidFill>
+                <a:ea typeface="ＭＳ Ｐゴシック" pitchFamily="34" charset="-128"/>
+                <a:cs typeface="+mn-cs"/>
+              </a:rPr>
+              <a:pPr eaLnBrk="0" hangingPunct="0">
+                <a:defRPr/>
+              </a:pPr>
+              <a:t>3</a:t>
+            </a:fld>
+            <a:endParaRPr lang="en-US" sz="1500" b="1" dirty="0">
+              <a:solidFill>
+                <a:srgbClr val="7B7B7B"/>
+              </a:solidFill>
+              <a:ea typeface="ＭＳ Ｐゴシック" pitchFamily="34" charset="-128"/>
+              <a:cs typeface="+mn-cs"/>
+            </a:endParaRPr>
+          </a:p>
+        </p:txBody>
+      </p:sp>
+      <p:sp>
+        <p:nvSpPr>
+          <p:cNvPr id="5" name="Text Placeholder 4"/>
+          <p:cNvSpPr>
+            <a:spLocks noGrp="1"/>
+          </p:cNvSpPr>
+          <p:nvPr>
+            <p:ph type="body" sz="quarter" idx="10"/>
+          </p:nvPr>
+        </p:nvSpPr>
+        <p:spPr>
+          <a:xfrm>
+            <a:off x="842320" y="4224829"/>
+            <a:ext cx="11649981" cy="2319776"/>
+          </a:xfrm>
+        </p:spPr>
         <p:txBody>
           <a:bodyPr/>
           <a:lstStyle/>
           <a:p>
             <a:r>
               <a:rPr lang="en-US" dirty="0" smtClean="0"/>
-              <a:t>Title</a:t>
-            </a:r>
-            <a:endParaRPr lang="en-US" dirty="0"/>
-          </a:p>
-        </p:txBody>
-      </p:sp>
-      <p:sp>
-        <p:nvSpPr>
-          <p:cNvPr id="4" name="Content Placeholder 3"/>
-          <p:cNvSpPr>
-            <a:spLocks noGrp="1"/>
-          </p:cNvSpPr>
-          <p:nvPr>
-            <p:ph idx="1"/>
-          </p:nvPr>
-        </p:nvSpPr>
-        <p:spPr/>
-        <p:txBody>
-          <a:bodyPr>
-            <a:normAutofit/>
-          </a:bodyPr>
-          <a:lstStyle/>
-          <a:p>
-            <a:r>
-              <a:rPr lang="en-US" sz="3200" dirty="0" smtClean="0"/>
-              <a:t>Content</a:t>
-            </a:r>
-          </a:p>
-          <a:p>
-            <a:endParaRPr lang="en-US" sz="3200" dirty="0"/>
+              <a:t>Demo 8:</a:t>
+            </a:r>
+            <a:r>
+              <a:rPr lang="en-US" dirty="0" smtClean="0"/>
+              <a:t> </a:t>
+            </a:r>
+            <a:r>
+              <a:rPr lang="en-US" dirty="0" smtClean="0"/>
+              <a:t>Making </a:t>
+            </a:r>
+            <a:r>
+              <a:rPr lang="en-US" dirty="0" smtClean="0"/>
+              <a:t>Server</a:t>
+            </a:r>
+            <a:r>
+              <a:rPr lang="en-US" dirty="0" smtClean="0"/>
+              <a:t>-Side</a:t>
+            </a:r>
+            <a:r>
+              <a:rPr lang="en-US" dirty="0" smtClean="0"/>
+              <a:t> </a:t>
+            </a:r>
+            <a:r>
+              <a:rPr lang="en-US" dirty="0" smtClean="0"/>
+              <a:t>Requests</a:t>
+            </a:r>
+            <a:endParaRPr lang="en-US" dirty="0" smtClean="0"/>
           </a:p>
         </p:txBody>
       </p:sp>
     </p:spTree>
     <p:extLst>
       <p:ext uri="{BB962C8B-B14F-4D97-AF65-F5344CB8AC3E}">
-        <p14:creationId xmlns:p14="http://schemas.microsoft.com/office/powerpoint/2010/main" val="2108713422"/>
+        <p14:creationId xmlns:p14="http://schemas.microsoft.com/office/powerpoint/2010/main" xmlns:p="http://schemas.openxmlformats.org/presentationml/2006/main" xmlns:r="http://schemas.openxmlformats.org/officeDocument/2006/relationships" xmlns:a="http://schemas.openxmlformats.org/drawingml/2006/main" xmlns="" val="3539376714"/>
       </p:ext>
     </p:extLst>
   </p:cSld>
   <p:clrMapOvr>
     <a:masterClrMapping/>
   </p:clrMapOvr>
+  <p:transition/>
   <p:timing>
     <p:tnLst>
       <p:par>
-        <p:cTn xmlns:p14="http://schemas.microsoft.com/office/powerpoint/2010/main" id="1" dur="indefinite" restart="never" nodeType="tmRoot"/>
+        <p:cTn id="1" dur="indefinite" restart="never" nodeType="tmRoot"/>
       </p:par>
     </p:tnLst>
   </p:timing>
@@ -5613,7 +5469,7 @@
 </file>
 
 <file path=ppt/slides/slide4.xml><?xml version="1.0" encoding="utf-8"?>
-<p:sld xmlns:a="http://schemas.openxmlformats.org/drawingml/2006/main" xmlns:r="http://schemas.openxmlformats.org/officeDocument/2006/relationships" xmlns:p="http://schemas.openxmlformats.org/presentationml/2006/main">
+<p:sld xmlns:a="http://schemas.openxmlformats.org/drawingml/2006/main" xmlns:r="http://schemas.openxmlformats.org/officeDocument/2006/relationships" xmlns:mc="http://schemas.openxmlformats.org/markup-compatibility/2006" xmlns:mv="urn:schemas-microsoft-com:mac:vml" xmlns:p="http://schemas.openxmlformats.org/presentationml/2006/main" mc:Ignorable="mv" mc:PreserveAttributes="mv:*">
   <p:cSld>
     <p:spTree>
       <p:nvGrpSpPr>
@@ -5631,298 +5487,6 @@
       </p:grpSpPr>
       <p:sp>
         <p:nvSpPr>
-          <p:cNvPr id="3" name="Title 2"/>
-          <p:cNvSpPr>
-            <a:spLocks noGrp="1"/>
-          </p:cNvSpPr>
-          <p:nvPr>
-            <p:ph type="title"/>
-          </p:nvPr>
-        </p:nvSpPr>
-        <p:spPr/>
-        <p:txBody>
-          <a:bodyPr/>
-          <a:lstStyle/>
-          <a:p>
-            <a:r>
-              <a:rPr lang="en-US" dirty="0" smtClean="0"/>
-              <a:t>Title</a:t>
-            </a:r>
-            <a:endParaRPr lang="en-US" dirty="0"/>
-          </a:p>
-        </p:txBody>
-      </p:sp>
-      <p:sp>
-        <p:nvSpPr>
-          <p:cNvPr id="4" name="Content Placeholder 3"/>
-          <p:cNvSpPr>
-            <a:spLocks noGrp="1"/>
-          </p:cNvSpPr>
-          <p:nvPr>
-            <p:ph idx="1"/>
-          </p:nvPr>
-        </p:nvSpPr>
-        <p:spPr/>
-        <p:txBody>
-          <a:bodyPr>
-            <a:normAutofit/>
-          </a:bodyPr>
-          <a:lstStyle/>
-          <a:p>
-            <a:r>
-              <a:rPr lang="en-US" sz="3200" dirty="0" smtClean="0"/>
-              <a:t>Content</a:t>
-            </a:r>
-          </a:p>
-          <a:p>
-            <a:endParaRPr lang="en-US" sz="3200" dirty="0"/>
-          </a:p>
-        </p:txBody>
-      </p:sp>
-    </p:spTree>
-    <p:extLst>
-      <p:ext uri="{BB962C8B-B14F-4D97-AF65-F5344CB8AC3E}">
-        <p14:creationId xmlns:p14="http://schemas.microsoft.com/office/powerpoint/2010/main" val="2805855639"/>
-      </p:ext>
-    </p:extLst>
-  </p:cSld>
-  <p:clrMapOvr>
-    <a:masterClrMapping/>
-  </p:clrMapOvr>
-  <p:timing>
-    <p:tnLst>
-      <p:par>
-        <p:cTn xmlns:p14="http://schemas.microsoft.com/office/powerpoint/2010/main" id="1" dur="indefinite" restart="never" nodeType="tmRoot"/>
-      </p:par>
-    </p:tnLst>
-  </p:timing>
-</p:sld>
-</file>
-
-<file path=ppt/slides/slide5.xml><?xml version="1.0" encoding="utf-8"?>
-<p:sld xmlns:a="http://schemas.openxmlformats.org/drawingml/2006/main" xmlns:r="http://schemas.openxmlformats.org/officeDocument/2006/relationships" xmlns:p="http://schemas.openxmlformats.org/presentationml/2006/main">
-  <p:cSld>
-    <p:spTree>
-      <p:nvGrpSpPr>
-        <p:cNvPr id="1" name=""/>
-        <p:cNvGrpSpPr/>
-        <p:nvPr/>
-      </p:nvGrpSpPr>
-      <p:grpSpPr>
-        <a:xfrm>
-          <a:off x="0" y="0"/>
-          <a:ext cx="0" cy="0"/>
-          <a:chOff x="0" y="0"/>
-          <a:chExt cx="0" cy="0"/>
-        </a:xfrm>
-      </p:grpSpPr>
-      <p:sp>
-        <p:nvSpPr>
-          <p:cNvPr id="3" name="Title 2"/>
-          <p:cNvSpPr>
-            <a:spLocks noGrp="1"/>
-          </p:cNvSpPr>
-          <p:nvPr>
-            <p:ph type="title"/>
-          </p:nvPr>
-        </p:nvSpPr>
-        <p:spPr/>
-        <p:txBody>
-          <a:bodyPr/>
-          <a:lstStyle/>
-          <a:p>
-            <a:r>
-              <a:rPr lang="en-US" dirty="0" smtClean="0"/>
-              <a:t>Title</a:t>
-            </a:r>
-            <a:endParaRPr lang="en-US" dirty="0"/>
-          </a:p>
-        </p:txBody>
-      </p:sp>
-      <p:sp>
-        <p:nvSpPr>
-          <p:cNvPr id="4" name="Content Placeholder 3"/>
-          <p:cNvSpPr>
-            <a:spLocks noGrp="1"/>
-          </p:cNvSpPr>
-          <p:nvPr>
-            <p:ph idx="1"/>
-          </p:nvPr>
-        </p:nvSpPr>
-        <p:spPr/>
-        <p:txBody>
-          <a:bodyPr>
-            <a:normAutofit/>
-          </a:bodyPr>
-          <a:lstStyle/>
-          <a:p>
-            <a:r>
-              <a:rPr lang="en-US" sz="3200" dirty="0" smtClean="0"/>
-              <a:t>Content</a:t>
-            </a:r>
-          </a:p>
-          <a:p>
-            <a:endParaRPr lang="en-US" sz="3200" dirty="0"/>
-          </a:p>
-        </p:txBody>
-      </p:sp>
-    </p:spTree>
-    <p:extLst>
-      <p:ext uri="{BB962C8B-B14F-4D97-AF65-F5344CB8AC3E}">
-        <p14:creationId xmlns:p14="http://schemas.microsoft.com/office/powerpoint/2010/main" val="2514608167"/>
-      </p:ext>
-    </p:extLst>
-  </p:cSld>
-  <p:clrMapOvr>
-    <a:masterClrMapping/>
-  </p:clrMapOvr>
-  <p:timing>
-    <p:tnLst>
-      <p:par>
-        <p:cTn xmlns:p14="http://schemas.microsoft.com/office/powerpoint/2010/main" id="1" dur="indefinite" restart="never" nodeType="tmRoot"/>
-      </p:par>
-    </p:tnLst>
-  </p:timing>
-</p:sld>
-</file>
-
-<file path=ppt/slides/slide6.xml><?xml version="1.0" encoding="utf-8"?>
-<p:sld xmlns:a="http://schemas.openxmlformats.org/drawingml/2006/main" xmlns:r="http://schemas.openxmlformats.org/officeDocument/2006/relationships" xmlns:p="http://schemas.openxmlformats.org/presentationml/2006/main">
-  <p:cSld>
-    <p:spTree>
-      <p:nvGrpSpPr>
-        <p:cNvPr id="1" name=""/>
-        <p:cNvGrpSpPr/>
-        <p:nvPr/>
-      </p:nvGrpSpPr>
-      <p:grpSpPr>
-        <a:xfrm>
-          <a:off x="0" y="0"/>
-          <a:ext cx="0" cy="0"/>
-          <a:chOff x="0" y="0"/>
-          <a:chExt cx="0" cy="0"/>
-        </a:xfrm>
-      </p:grpSpPr>
-      <p:sp>
-        <p:nvSpPr>
-          <p:cNvPr id="303106" name="Slide Number Placeholder 3"/>
-          <p:cNvSpPr txBox="1">
-            <a:spLocks noGrp="1"/>
-          </p:cNvSpPr>
-          <p:nvPr/>
-        </p:nvSpPr>
-        <p:spPr bwMode="auto">
-          <a:xfrm>
-            <a:off x="315868" y="9189943"/>
-            <a:ext cx="866378" cy="541514"/>
-          </a:xfrm>
-          <a:prstGeom prst="rect">
-            <a:avLst/>
-          </a:prstGeom>
-          <a:noFill/>
-          <a:ln>
-            <a:miter lim="800000"/>
-            <a:headEnd/>
-            <a:tailEnd/>
-          </a:ln>
-        </p:spPr>
-        <p:txBody>
-          <a:bodyPr lIns="154707" tIns="77354" rIns="154707" bIns="77354"/>
-          <a:lstStyle/>
-          <a:p>
-            <a:pPr eaLnBrk="0" hangingPunct="0">
-              <a:defRPr/>
-            </a:pPr>
-            <a:fld id="{1BD3BB7B-F997-4B7C-BCBE-A063D59C732E}" type="slidenum">
-              <a:rPr lang="en-US" sz="1500" b="1">
-                <a:solidFill>
-                  <a:srgbClr val="7B7B7B"/>
-                </a:solidFill>
-                <a:ea typeface="ＭＳ Ｐゴシック" pitchFamily="34" charset="-128"/>
-                <a:cs typeface="+mn-cs"/>
-              </a:rPr>
-              <a:pPr eaLnBrk="0" hangingPunct="0">
-                <a:defRPr/>
-              </a:pPr>
-              <a:t>6</a:t>
-            </a:fld>
-            <a:endParaRPr lang="en-US" sz="1500" b="1" dirty="0">
-              <a:solidFill>
-                <a:srgbClr val="7B7B7B"/>
-              </a:solidFill>
-              <a:ea typeface="ＭＳ Ｐゴシック" pitchFamily="34" charset="-128"/>
-              <a:cs typeface="+mn-cs"/>
-            </a:endParaRPr>
-          </a:p>
-        </p:txBody>
-      </p:sp>
-      <p:sp>
-        <p:nvSpPr>
-          <p:cNvPr id="5" name="Text Placeholder 4"/>
-          <p:cNvSpPr>
-            <a:spLocks noGrp="1"/>
-          </p:cNvSpPr>
-          <p:nvPr>
-            <p:ph type="body" sz="quarter" idx="10"/>
-          </p:nvPr>
-        </p:nvSpPr>
-        <p:spPr/>
-        <p:txBody>
-          <a:bodyPr/>
-          <a:lstStyle/>
-          <a:p>
-            <a:r>
-              <a:rPr lang="en-US" dirty="0" smtClean="0"/>
-              <a:t>Demo </a:t>
-            </a:r>
-            <a:r>
-              <a:rPr lang="en-US" dirty="0" smtClean="0"/>
-              <a:t>8: Viewing an Example of Server-Side Code</a:t>
-            </a:r>
-            <a:endParaRPr lang="en-US" dirty="0" smtClean="0"/>
-          </a:p>
-        </p:txBody>
-      </p:sp>
-    </p:spTree>
-    <p:extLst>
-      <p:ext uri="{BB962C8B-B14F-4D97-AF65-F5344CB8AC3E}">
-        <p14:creationId xmlns:p14="http://schemas.microsoft.com/office/powerpoint/2010/main" val="3539376714"/>
-      </p:ext>
-    </p:extLst>
-  </p:cSld>
-  <p:clrMapOvr>
-    <a:masterClrMapping/>
-  </p:clrMapOvr>
-  <p:transition xmlns:p14="http://schemas.microsoft.com/office/powerpoint/2010/main"/>
-  <p:timing>
-    <p:tnLst>
-      <p:par>
-        <p:cTn xmlns:p14="http://schemas.microsoft.com/office/powerpoint/2010/main" id="1" dur="indefinite" restart="never" nodeType="tmRoot"/>
-      </p:par>
-    </p:tnLst>
-  </p:timing>
-</p:sld>
-</file>
-
-<file path=ppt/slides/slide7.xml><?xml version="1.0" encoding="utf-8"?>
-<p:sld xmlns:a="http://schemas.openxmlformats.org/drawingml/2006/main" xmlns:r="http://schemas.openxmlformats.org/officeDocument/2006/relationships" xmlns:p="http://schemas.openxmlformats.org/presentationml/2006/main">
-  <p:cSld>
-    <p:spTree>
-      <p:nvGrpSpPr>
-        <p:cNvPr id="1" name=""/>
-        <p:cNvGrpSpPr/>
-        <p:nvPr/>
-      </p:nvGrpSpPr>
-      <p:grpSpPr>
-        <a:xfrm>
-          <a:off x="0" y="0"/>
-          <a:ext cx="0" cy="0"/>
-          <a:chOff x="0" y="0"/>
-          <a:chExt cx="0" cy="0"/>
-        </a:xfrm>
-      </p:grpSpPr>
-      <p:sp>
-        <p:nvSpPr>
           <p:cNvPr id="3" name="Text Placeholder 2"/>
           <p:cNvSpPr>
             <a:spLocks noGrp="1"/>
@@ -5997,7 +5561,7 @@
               <a:pPr>
                 <a:defRPr/>
               </a:pPr>
-              <a:t>7</a:t>
+              <a:t>4</a:t>
             </a:fld>
             <a:endParaRPr lang="en-US" dirty="0"/>
           </a:p>
@@ -6006,20 +5570,20 @@
     </p:spTree>
     <p:extLst>
       <p:ext uri="{BB962C8B-B14F-4D97-AF65-F5344CB8AC3E}">
-        <p14:creationId xmlns:p14="http://schemas.microsoft.com/office/powerpoint/2010/main" val="3700295984"/>
+        <p14:creationId xmlns:p14="http://schemas.microsoft.com/office/powerpoint/2010/main" xmlns:p="http://schemas.openxmlformats.org/presentationml/2006/main" xmlns:r="http://schemas.openxmlformats.org/officeDocument/2006/relationships" xmlns:a="http://schemas.openxmlformats.org/drawingml/2006/main" xmlns="" val="3700295984"/>
       </p:ext>
     </p:extLst>
   </p:cSld>
   <p:clrMapOvr>
     <a:masterClrMapping/>
   </p:clrMapOvr>
-  <p:transition xmlns:p14="http://schemas.microsoft.com/office/powerpoint/2010/main" spd="med">
+  <p:transition spd="med">
     <p:fade/>
   </p:transition>
   <p:timing>
     <p:tnLst>
       <p:par>
-        <p:cTn xmlns:p14="http://schemas.microsoft.com/office/powerpoint/2010/main" id="1" dur="indefinite" restart="never" nodeType="tmRoot"/>
+        <p:cTn id="1" dur="indefinite" restart="never" nodeType="tmRoot"/>
       </p:par>
     </p:tnLst>
   </p:timing>

--- a/VideoSessionsMaterials/server-side.pptx
+++ b/VideoSessionsMaterials/server-side.pptx
@@ -1,6 +1,6 @@
 
 <file path=ppt/presentation.xml><?xml version="1.0" encoding="utf-8"?>
-<p:presentation xmlns:a="http://schemas.openxmlformats.org/drawingml/2006/main" xmlns:r="http://schemas.openxmlformats.org/officeDocument/2006/relationships" xmlns:mc="http://schemas.openxmlformats.org/markup-compatibility/2006" xmlns:mv="urn:schemas-microsoft-com:mac:vml" xmlns:p="http://schemas.openxmlformats.org/presentationml/2006/main" mc:Ignorable="mv" mc:PreserveAttributes="mv:*" showSpecialPlsOnTitleSld="0" saveSubsetFonts="1" autoCompressPictures="0">
+<p:presentation xmlns:a="http://schemas.openxmlformats.org/drawingml/2006/main" xmlns:r="http://schemas.openxmlformats.org/officeDocument/2006/relationships" xmlns:p="http://schemas.openxmlformats.org/presentationml/2006/main" showSpecialPlsOnTitleSld="0" saveSubsetFonts="1" autoCompressPictures="0">
   <p:sldMasterIdLst>
     <p:sldMasterId id="2147483648" r:id="rId1"/>
   </p:sldMasterIdLst>
@@ -144,7 +144,7 @@
 </file>
 
 <file path=ppt/notesMasters/notesMaster1.xml><?xml version="1.0" encoding="utf-8"?>
-<p:notesMaster xmlns:a="http://schemas.openxmlformats.org/drawingml/2006/main" xmlns:r="http://schemas.openxmlformats.org/officeDocument/2006/relationships" xmlns:mc="http://schemas.openxmlformats.org/markup-compatibility/2006" xmlns:mv="urn:schemas-microsoft-com:mac:vml" xmlns:p="http://schemas.openxmlformats.org/presentationml/2006/main" mc:Ignorable="mv" mc:PreserveAttributes="mv:*">
+<p:notesMaster xmlns:a="http://schemas.openxmlformats.org/drawingml/2006/main" xmlns:r="http://schemas.openxmlformats.org/officeDocument/2006/relationships" xmlns:p="http://schemas.openxmlformats.org/presentationml/2006/main">
   <p:cSld>
     <p:bg>
       <p:bgRef idx="1001">
@@ -395,7 +395,7 @@
     </p:spTree>
     <p:extLst>
       <p:ext uri="{BB962C8B-B14F-4D97-AF65-F5344CB8AC3E}">
-        <p14:creationId xmlns:p14="http://schemas.microsoft.com/office/powerpoint/2010/main" xmlns:p="http://schemas.openxmlformats.org/presentationml/2006/main" xmlns:r="http://schemas.openxmlformats.org/officeDocument/2006/relationships" xmlns:a="http://schemas.openxmlformats.org/drawingml/2006/main" xmlns="" val="4045051341"/>
+        <p14:creationId xmlns:p14="http://schemas.microsoft.com/office/powerpoint/2010/main" val="4045051341"/>
       </p:ext>
     </p:extLst>
   </p:cSld>
@@ -496,7 +496,7 @@
 </file>
 
 <file path=ppt/notesSlides/notesSlide1.xml><?xml version="1.0" encoding="utf-8"?>
-<p:notes xmlns:a="http://schemas.openxmlformats.org/drawingml/2006/main" xmlns:r="http://schemas.openxmlformats.org/officeDocument/2006/relationships" xmlns:mc="http://schemas.openxmlformats.org/markup-compatibility/2006" xmlns:mv="urn:schemas-microsoft-com:mac:vml" xmlns:p="http://schemas.openxmlformats.org/presentationml/2006/main" mc:Ignorable="mv" mc:PreserveAttributes="mv:*">
+<p:notes xmlns:a="http://schemas.openxmlformats.org/drawingml/2006/main" xmlns:r="http://schemas.openxmlformats.org/officeDocument/2006/relationships" xmlns:p="http://schemas.openxmlformats.org/presentationml/2006/main">
   <p:cSld>
     <p:spTree>
       <p:nvGrpSpPr>
@@ -570,7 +570,7 @@
     </p:spTree>
     <p:extLst>
       <p:ext uri="{BB962C8B-B14F-4D97-AF65-F5344CB8AC3E}">
-        <p14:creationId xmlns:p14="http://schemas.microsoft.com/office/powerpoint/2010/main" xmlns:p="http://schemas.openxmlformats.org/presentationml/2006/main" xmlns:r="http://schemas.openxmlformats.org/officeDocument/2006/relationships" xmlns:a="http://schemas.openxmlformats.org/drawingml/2006/main" xmlns="" val="3250658828"/>
+        <p14:creationId xmlns:p14="http://schemas.microsoft.com/office/powerpoint/2010/main" val="3250658828"/>
       </p:ext>
     </p:extLst>
   </p:cSld>
@@ -581,7 +581,7 @@
 </file>
 
 <file path=ppt/notesSlides/notesSlide2.xml><?xml version="1.0" encoding="utf-8"?>
-<p:notes xmlns:a="http://schemas.openxmlformats.org/drawingml/2006/main" xmlns:r="http://schemas.openxmlformats.org/officeDocument/2006/relationships" xmlns:mc="http://schemas.openxmlformats.org/markup-compatibility/2006" xmlns:mv="urn:schemas-microsoft-com:mac:vml" xmlns:p="http://schemas.openxmlformats.org/presentationml/2006/main" mc:Ignorable="mv" mc:PreserveAttributes="mv:*">
+<p:notes xmlns:a="http://schemas.openxmlformats.org/drawingml/2006/main" xmlns:r="http://schemas.openxmlformats.org/officeDocument/2006/relationships" xmlns:p="http://schemas.openxmlformats.org/presentationml/2006/main">
   <p:cSld>
     <p:spTree>
       <p:nvGrpSpPr>
@@ -655,7 +655,7 @@
     </p:spTree>
     <p:extLst>
       <p:ext uri="{BB962C8B-B14F-4D97-AF65-F5344CB8AC3E}">
-        <p14:creationId xmlns:p14="http://schemas.microsoft.com/office/powerpoint/2010/main" xmlns:p="http://schemas.openxmlformats.org/presentationml/2006/main" xmlns:r="http://schemas.openxmlformats.org/officeDocument/2006/relationships" xmlns:a="http://schemas.openxmlformats.org/drawingml/2006/main" xmlns="" val="963676054"/>
+        <p14:creationId xmlns:p14="http://schemas.microsoft.com/office/powerpoint/2010/main" val="963676054"/>
       </p:ext>
     </p:extLst>
   </p:cSld>
@@ -666,7 +666,7 @@
 </file>
 
 <file path=ppt/notesSlides/notesSlide3.xml><?xml version="1.0" encoding="utf-8"?>
-<p:notes xmlns:a="http://schemas.openxmlformats.org/drawingml/2006/main" xmlns:r="http://schemas.openxmlformats.org/officeDocument/2006/relationships" xmlns:mc="http://schemas.openxmlformats.org/markup-compatibility/2006" xmlns:mv="urn:schemas-microsoft-com:mac:vml" xmlns:p="http://schemas.openxmlformats.org/presentationml/2006/main" mc:Ignorable="mv" mc:PreserveAttributes="mv:*">
+<p:notes xmlns:a="http://schemas.openxmlformats.org/drawingml/2006/main" xmlns:r="http://schemas.openxmlformats.org/officeDocument/2006/relationships" xmlns:p="http://schemas.openxmlformats.org/presentationml/2006/main">
   <p:cSld>
     <p:spTree>
       <p:nvGrpSpPr>
@@ -777,7 +777,7 @@
 </file>
 
 <file path=ppt/notesSlides/notesSlide4.xml><?xml version="1.0" encoding="utf-8"?>
-<p:notes xmlns:a="http://schemas.openxmlformats.org/drawingml/2006/main" xmlns:r="http://schemas.openxmlformats.org/officeDocument/2006/relationships" xmlns:mc="http://schemas.openxmlformats.org/markup-compatibility/2006" xmlns:mv="urn:schemas-microsoft-com:mac:vml" xmlns:p="http://schemas.openxmlformats.org/presentationml/2006/main" mc:Ignorable="mv" mc:PreserveAttributes="mv:*">
+<p:notes xmlns:a="http://schemas.openxmlformats.org/drawingml/2006/main" xmlns:r="http://schemas.openxmlformats.org/officeDocument/2006/relationships" xmlns:p="http://schemas.openxmlformats.org/presentationml/2006/main">
   <p:cSld>
     <p:spTree>
       <p:nvGrpSpPr>
@@ -851,7 +851,7 @@
     </p:spTree>
     <p:extLst>
       <p:ext uri="{BB962C8B-B14F-4D97-AF65-F5344CB8AC3E}">
-        <p14:creationId xmlns:p14="http://schemas.microsoft.com/office/powerpoint/2010/main" xmlns:p="http://schemas.openxmlformats.org/presentationml/2006/main" xmlns:r="http://schemas.openxmlformats.org/officeDocument/2006/relationships" xmlns:a="http://schemas.openxmlformats.org/drawingml/2006/main" xmlns="" val="1443086944"/>
+        <p14:creationId xmlns:p14="http://schemas.microsoft.com/office/powerpoint/2010/main" val="1443086944"/>
       </p:ext>
     </p:extLst>
   </p:cSld>
@@ -862,7 +862,7 @@
 </file>
 
 <file path=ppt/slideLayouts/slideLayout1.xml><?xml version="1.0" encoding="utf-8"?>
-<p:sldLayout xmlns:a="http://schemas.openxmlformats.org/drawingml/2006/main" xmlns:r="http://schemas.openxmlformats.org/officeDocument/2006/relationships" xmlns:mc="http://schemas.openxmlformats.org/markup-compatibility/2006" xmlns:mv="urn:schemas-microsoft-com:mac:vml" xmlns:p="http://schemas.openxmlformats.org/presentationml/2006/main" mc:Ignorable="mv" mc:PreserveAttributes="mv:*" type="title" preserve="1">
+<p:sldLayout xmlns:a="http://schemas.openxmlformats.org/drawingml/2006/main" xmlns:r="http://schemas.openxmlformats.org/officeDocument/2006/relationships" xmlns:p="http://schemas.openxmlformats.org/presentationml/2006/main" type="title" preserve="1">
   <p:cSld name="Title Slide">
     <p:bg>
       <p:bgPr>
@@ -1086,7 +1086,7 @@
 </file>
 
 <file path=ppt/slideLayouts/slideLayout10.xml><?xml version="1.0" encoding="utf-8"?>
-<p:sldLayout xmlns:a="http://schemas.openxmlformats.org/drawingml/2006/main" xmlns:r="http://schemas.openxmlformats.org/officeDocument/2006/relationships" xmlns:mc="http://schemas.openxmlformats.org/markup-compatibility/2006" xmlns:mv="urn:schemas-microsoft-com:mac:vml" xmlns:p="http://schemas.openxmlformats.org/presentationml/2006/main" mc:Ignorable="mv" mc:PreserveAttributes="mv:*" preserve="1" userDrawn="1">
+<p:sldLayout xmlns:a="http://schemas.openxmlformats.org/drawingml/2006/main" xmlns:r="http://schemas.openxmlformats.org/officeDocument/2006/relationships" xmlns:p="http://schemas.openxmlformats.org/presentationml/2006/main" preserve="1" userDrawn="1">
   <p:cSld name="Impact Slide - Pink">
     <p:bg>
       <p:bgPr>
@@ -1159,7 +1159,7 @@
 </file>
 
 <file path=ppt/slideLayouts/slideLayout11.xml><?xml version="1.0" encoding="utf-8"?>
-<p:sldLayout xmlns:a="http://schemas.openxmlformats.org/drawingml/2006/main" xmlns:r="http://schemas.openxmlformats.org/officeDocument/2006/relationships" xmlns:mc="http://schemas.openxmlformats.org/markup-compatibility/2006" xmlns:mv="urn:schemas-microsoft-com:mac:vml" xmlns:p="http://schemas.openxmlformats.org/presentationml/2006/main" mc:Ignorable="mv" mc:PreserveAttributes="mv:*" preserve="1" userDrawn="1">
+<p:sldLayout xmlns:a="http://schemas.openxmlformats.org/drawingml/2006/main" xmlns:r="http://schemas.openxmlformats.org/officeDocument/2006/relationships" xmlns:p="http://schemas.openxmlformats.org/presentationml/2006/main" preserve="1" userDrawn="1">
   <p:cSld name="Quote Slide - Neutral">
     <p:bg>
       <p:bgPr>
@@ -1318,7 +1318,7 @@
 </file>
 
 <file path=ppt/slideLayouts/slideLayout12.xml><?xml version="1.0" encoding="utf-8"?>
-<p:sldLayout xmlns:a="http://schemas.openxmlformats.org/drawingml/2006/main" xmlns:r="http://schemas.openxmlformats.org/officeDocument/2006/relationships" xmlns:mc="http://schemas.openxmlformats.org/markup-compatibility/2006" xmlns:mv="urn:schemas-microsoft-com:mac:vml" xmlns:p="http://schemas.openxmlformats.org/presentationml/2006/main" mc:Ignorable="mv" mc:PreserveAttributes="mv:*" preserve="1" userDrawn="1">
+<p:sldLayout xmlns:a="http://schemas.openxmlformats.org/drawingml/2006/main" xmlns:r="http://schemas.openxmlformats.org/officeDocument/2006/relationships" xmlns:p="http://schemas.openxmlformats.org/presentationml/2006/main" preserve="1" userDrawn="1">
   <p:cSld name="Quote Slide - Teal">
     <p:bg>
       <p:bgPr>
@@ -1471,7 +1471,7 @@
 </file>
 
 <file path=ppt/slideLayouts/slideLayout13.xml><?xml version="1.0" encoding="utf-8"?>
-<p:sldLayout xmlns:a="http://schemas.openxmlformats.org/drawingml/2006/main" xmlns:r="http://schemas.openxmlformats.org/officeDocument/2006/relationships" xmlns:mc="http://schemas.openxmlformats.org/markup-compatibility/2006" xmlns:mv="urn:schemas-microsoft-com:mac:vml" xmlns:p="http://schemas.openxmlformats.org/presentationml/2006/main" mc:Ignorable="mv" mc:PreserveAttributes="mv:*" preserve="1" userDrawn="1">
+<p:sldLayout xmlns:a="http://schemas.openxmlformats.org/drawingml/2006/main" xmlns:r="http://schemas.openxmlformats.org/officeDocument/2006/relationships" xmlns:p="http://schemas.openxmlformats.org/presentationml/2006/main" preserve="1" userDrawn="1">
   <p:cSld name="Quote Slide - Green">
     <p:bg>
       <p:bgPr>
@@ -1624,7 +1624,7 @@
 </file>
 
 <file path=ppt/slideLayouts/slideLayout14.xml><?xml version="1.0" encoding="utf-8"?>
-<p:sldLayout xmlns:a="http://schemas.openxmlformats.org/drawingml/2006/main" xmlns:r="http://schemas.openxmlformats.org/officeDocument/2006/relationships" xmlns:mc="http://schemas.openxmlformats.org/markup-compatibility/2006" xmlns:mv="urn:schemas-microsoft-com:mac:vml" xmlns:p="http://schemas.openxmlformats.org/presentationml/2006/main" mc:Ignorable="mv" mc:PreserveAttributes="mv:*" preserve="1" userDrawn="1">
+<p:sldLayout xmlns:a="http://schemas.openxmlformats.org/drawingml/2006/main" xmlns:r="http://schemas.openxmlformats.org/officeDocument/2006/relationships" xmlns:p="http://schemas.openxmlformats.org/presentationml/2006/main" preserve="1" userDrawn="1">
   <p:cSld name="Orange Quote Slide">
     <p:bg>
       <p:bgPr>
@@ -1777,7 +1777,7 @@
 </file>
 
 <file path=ppt/slideLayouts/slideLayout15.xml><?xml version="1.0" encoding="utf-8"?>
-<p:sldLayout xmlns:a="http://schemas.openxmlformats.org/drawingml/2006/main" xmlns:r="http://schemas.openxmlformats.org/officeDocument/2006/relationships" xmlns:mc="http://schemas.openxmlformats.org/markup-compatibility/2006" xmlns:mv="urn:schemas-microsoft-com:mac:vml" xmlns:p="http://schemas.openxmlformats.org/presentationml/2006/main" mc:Ignorable="mv" mc:PreserveAttributes="mv:*" preserve="1" userDrawn="1">
+<p:sldLayout xmlns:a="http://schemas.openxmlformats.org/drawingml/2006/main" xmlns:r="http://schemas.openxmlformats.org/officeDocument/2006/relationships" xmlns:p="http://schemas.openxmlformats.org/presentationml/2006/main" preserve="1" userDrawn="1">
   <p:cSld name="Quote Slide - Pink">
     <p:bg>
       <p:bgPr>
@@ -1930,7 +1930,7 @@
 </file>
 
 <file path=ppt/slideLayouts/slideLayout16.xml><?xml version="1.0" encoding="utf-8"?>
-<p:sldLayout xmlns:a="http://schemas.openxmlformats.org/drawingml/2006/main" xmlns:r="http://schemas.openxmlformats.org/officeDocument/2006/relationships" xmlns:mc="http://schemas.openxmlformats.org/markup-compatibility/2006" xmlns:mv="urn:schemas-microsoft-com:mac:vml" xmlns:p="http://schemas.openxmlformats.org/presentationml/2006/main" mc:Ignorable="mv" mc:PreserveAttributes="mv:*" preserve="1" userDrawn="1">
+<p:sldLayout xmlns:a="http://schemas.openxmlformats.org/drawingml/2006/main" xmlns:r="http://schemas.openxmlformats.org/officeDocument/2006/relationships" xmlns:p="http://schemas.openxmlformats.org/presentationml/2006/main" preserve="1" userDrawn="1">
   <p:cSld name="Thank You - Teal">
     <p:bg>
       <p:bgPr>
@@ -2061,7 +2061,7 @@
 </file>
 
 <file path=ppt/slideLayouts/slideLayout17.xml><?xml version="1.0" encoding="utf-8"?>
-<p:sldLayout xmlns:a="http://schemas.openxmlformats.org/drawingml/2006/main" xmlns:r="http://schemas.openxmlformats.org/officeDocument/2006/relationships" xmlns:mc="http://schemas.openxmlformats.org/markup-compatibility/2006" xmlns:mv="urn:schemas-microsoft-com:mac:vml" xmlns:p="http://schemas.openxmlformats.org/presentationml/2006/main" mc:Ignorable="mv" mc:PreserveAttributes="mv:*" preserve="1" userDrawn="1">
+<p:sldLayout xmlns:a="http://schemas.openxmlformats.org/drawingml/2006/main" xmlns:r="http://schemas.openxmlformats.org/officeDocument/2006/relationships" xmlns:p="http://schemas.openxmlformats.org/presentationml/2006/main" preserve="1" userDrawn="1">
   <p:cSld name="Thank You - Green">
     <p:bg>
       <p:bgPr>
@@ -2192,7 +2192,7 @@
 </file>
 
 <file path=ppt/slideLayouts/slideLayout18.xml><?xml version="1.0" encoding="utf-8"?>
-<p:sldLayout xmlns:a="http://schemas.openxmlformats.org/drawingml/2006/main" xmlns:r="http://schemas.openxmlformats.org/officeDocument/2006/relationships" xmlns:mc="http://schemas.openxmlformats.org/markup-compatibility/2006" xmlns:mv="urn:schemas-microsoft-com:mac:vml" xmlns:p="http://schemas.openxmlformats.org/presentationml/2006/main" mc:Ignorable="mv" mc:PreserveAttributes="mv:*" userDrawn="1">
+<p:sldLayout xmlns:a="http://schemas.openxmlformats.org/drawingml/2006/main" xmlns:r="http://schemas.openxmlformats.org/officeDocument/2006/relationships" xmlns:p="http://schemas.openxmlformats.org/presentationml/2006/main" userDrawn="1">
   <p:cSld name="Thank You - Orange">
     <p:bg>
       <p:bgPr>
@@ -2323,7 +2323,7 @@
 </file>
 
 <file path=ppt/slideLayouts/slideLayout19.xml><?xml version="1.0" encoding="utf-8"?>
-<p:sldLayout xmlns:a="http://schemas.openxmlformats.org/drawingml/2006/main" xmlns:r="http://schemas.openxmlformats.org/officeDocument/2006/relationships" xmlns:mc="http://schemas.openxmlformats.org/markup-compatibility/2006" xmlns:mv="urn:schemas-microsoft-com:mac:vml" xmlns:p="http://schemas.openxmlformats.org/presentationml/2006/main" mc:Ignorable="mv" mc:PreserveAttributes="mv:*" userDrawn="1">
+<p:sldLayout xmlns:a="http://schemas.openxmlformats.org/drawingml/2006/main" xmlns:r="http://schemas.openxmlformats.org/officeDocument/2006/relationships" xmlns:p="http://schemas.openxmlformats.org/presentationml/2006/main" userDrawn="1">
   <p:cSld name="Thank You - Pink">
     <p:bg>
       <p:bgPr>
@@ -2454,7 +2454,7 @@
 </file>
 
 <file path=ppt/slideLayouts/slideLayout2.xml><?xml version="1.0" encoding="utf-8"?>
-<p:sldLayout xmlns:a="http://schemas.openxmlformats.org/drawingml/2006/main" xmlns:r="http://schemas.openxmlformats.org/officeDocument/2006/relationships" xmlns:mc="http://schemas.openxmlformats.org/markup-compatibility/2006" xmlns:mv="urn:schemas-microsoft-com:mac:vml" xmlns:p="http://schemas.openxmlformats.org/presentationml/2006/main" mc:Ignorable="mv" mc:PreserveAttributes="mv:*" preserve="1" userDrawn="1">
+<p:sldLayout xmlns:a="http://schemas.openxmlformats.org/drawingml/2006/main" xmlns:r="http://schemas.openxmlformats.org/officeDocument/2006/relationships" xmlns:p="http://schemas.openxmlformats.org/presentationml/2006/main" preserve="1" userDrawn="1">
   <p:cSld name="Title and Single Element">
     <p:spTree>
       <p:nvGrpSpPr>
@@ -2785,7 +2785,7 @@
 </file>
 
 <file path=ppt/slideLayouts/slideLayout3.xml><?xml version="1.0" encoding="utf-8"?>
-<p:sldLayout xmlns:a="http://schemas.openxmlformats.org/drawingml/2006/main" xmlns:r="http://schemas.openxmlformats.org/officeDocument/2006/relationships" xmlns:mc="http://schemas.openxmlformats.org/markup-compatibility/2006" xmlns:mv="urn:schemas-microsoft-com:mac:vml" xmlns:p="http://schemas.openxmlformats.org/presentationml/2006/main" mc:Ignorable="mv" mc:PreserveAttributes="mv:*" preserve="1" userDrawn="1">
+<p:sldLayout xmlns:a="http://schemas.openxmlformats.org/drawingml/2006/main" xmlns:r="http://schemas.openxmlformats.org/officeDocument/2006/relationships" xmlns:p="http://schemas.openxmlformats.org/presentationml/2006/main" preserve="1" userDrawn="1">
   <p:cSld name="Title and Two Element">
     <p:spTree>
       <p:nvGrpSpPr>
@@ -3177,7 +3177,7 @@
 </file>
 
 <file path=ppt/slideLayouts/slideLayout4.xml><?xml version="1.0" encoding="utf-8"?>
-<p:sldLayout xmlns:a="http://schemas.openxmlformats.org/drawingml/2006/main" xmlns:r="http://schemas.openxmlformats.org/officeDocument/2006/relationships" xmlns:mc="http://schemas.openxmlformats.org/markup-compatibility/2006" xmlns:mv="urn:schemas-microsoft-com:mac:vml" xmlns:p="http://schemas.openxmlformats.org/presentationml/2006/main" mc:Ignorable="mv" mc:PreserveAttributes="mv:*" preserve="1" userDrawn="1">
+<p:sldLayout xmlns:a="http://schemas.openxmlformats.org/drawingml/2006/main" xmlns:r="http://schemas.openxmlformats.org/officeDocument/2006/relationships" xmlns:p="http://schemas.openxmlformats.org/presentationml/2006/main" preserve="1" userDrawn="1">
   <p:cSld name="Title Only and Blank">
     <p:spTree>
       <p:nvGrpSpPr>
@@ -3451,7 +3451,7 @@
 </file>
 
 <file path=ppt/slideLayouts/slideLayout5.xml><?xml version="1.0" encoding="utf-8"?>
-<p:sldLayout xmlns:a="http://schemas.openxmlformats.org/drawingml/2006/main" xmlns:r="http://schemas.openxmlformats.org/officeDocument/2006/relationships" xmlns:mc="http://schemas.openxmlformats.org/markup-compatibility/2006" xmlns:mv="urn:schemas-microsoft-com:mac:vml" xmlns:p="http://schemas.openxmlformats.org/presentationml/2006/main" mc:Ignorable="mv" mc:PreserveAttributes="mv:*" userDrawn="1">
+<p:sldLayout xmlns:a="http://schemas.openxmlformats.org/drawingml/2006/main" xmlns:r="http://schemas.openxmlformats.org/officeDocument/2006/relationships" xmlns:p="http://schemas.openxmlformats.org/presentationml/2006/main" userDrawn="1">
   <p:cSld name="Left Text and Right Image">
     <p:spTree>
       <p:nvGrpSpPr>
@@ -3812,7 +3812,7 @@
 </file>
 
 <file path=ppt/slideLayouts/slideLayout6.xml><?xml version="1.0" encoding="utf-8"?>
-<p:sldLayout xmlns:a="http://schemas.openxmlformats.org/drawingml/2006/main" xmlns:r="http://schemas.openxmlformats.org/officeDocument/2006/relationships" xmlns:mc="http://schemas.openxmlformats.org/markup-compatibility/2006" xmlns:mv="urn:schemas-microsoft-com:mac:vml" xmlns:p="http://schemas.openxmlformats.org/presentationml/2006/main" mc:Ignorable="mv" mc:PreserveAttributes="mv:*" preserve="1" userDrawn="1">
+<p:sldLayout xmlns:a="http://schemas.openxmlformats.org/drawingml/2006/main" xmlns:r="http://schemas.openxmlformats.org/officeDocument/2006/relationships" xmlns:p="http://schemas.openxmlformats.org/presentationml/2006/main" preserve="1" userDrawn="1">
   <p:cSld name="Left Image and Right Text">
     <p:spTree>
       <p:nvGrpSpPr>
@@ -4173,7 +4173,7 @@
 </file>
 
 <file path=ppt/slideLayouts/slideLayout7.xml><?xml version="1.0" encoding="utf-8"?>
-<p:sldLayout xmlns:a="http://schemas.openxmlformats.org/drawingml/2006/main" xmlns:r="http://schemas.openxmlformats.org/officeDocument/2006/relationships" xmlns:mc="http://schemas.openxmlformats.org/markup-compatibility/2006" xmlns:mv="urn:schemas-microsoft-com:mac:vml" xmlns:p="http://schemas.openxmlformats.org/presentationml/2006/main" mc:Ignorable="mv" mc:PreserveAttributes="mv:*" preserve="1" userDrawn="1">
+<p:sldLayout xmlns:a="http://schemas.openxmlformats.org/drawingml/2006/main" xmlns:r="http://schemas.openxmlformats.org/officeDocument/2006/relationships" xmlns:p="http://schemas.openxmlformats.org/presentationml/2006/main" preserve="1" userDrawn="1">
   <p:cSld name="Impact Slide - Teal">
     <p:bg>
       <p:bgPr>
@@ -4268,7 +4268,7 @@
 </file>
 
 <file path=ppt/slideLayouts/slideLayout8.xml><?xml version="1.0" encoding="utf-8"?>
-<p:sldLayout xmlns:a="http://schemas.openxmlformats.org/drawingml/2006/main" xmlns:r="http://schemas.openxmlformats.org/officeDocument/2006/relationships" xmlns:mc="http://schemas.openxmlformats.org/markup-compatibility/2006" xmlns:mv="urn:schemas-microsoft-com:mac:vml" xmlns:p="http://schemas.openxmlformats.org/presentationml/2006/main" mc:Ignorable="mv" mc:PreserveAttributes="mv:*" preserve="1" userDrawn="1">
+<p:sldLayout xmlns:a="http://schemas.openxmlformats.org/drawingml/2006/main" xmlns:r="http://schemas.openxmlformats.org/officeDocument/2006/relationships" xmlns:p="http://schemas.openxmlformats.org/presentationml/2006/main" preserve="1" userDrawn="1">
   <p:cSld name="Impact Slide - Green">
     <p:bg>
       <p:bgPr>
@@ -4363,7 +4363,7 @@
 </file>
 
 <file path=ppt/slideLayouts/slideLayout9.xml><?xml version="1.0" encoding="utf-8"?>
-<p:sldLayout xmlns:a="http://schemas.openxmlformats.org/drawingml/2006/main" xmlns:r="http://schemas.openxmlformats.org/officeDocument/2006/relationships" xmlns:mc="http://schemas.openxmlformats.org/markup-compatibility/2006" xmlns:mv="urn:schemas-microsoft-com:mac:vml" xmlns:p="http://schemas.openxmlformats.org/presentationml/2006/main" mc:Ignorable="mv" mc:PreserveAttributes="mv:*" preserve="1" userDrawn="1">
+<p:sldLayout xmlns:a="http://schemas.openxmlformats.org/drawingml/2006/main" xmlns:r="http://schemas.openxmlformats.org/officeDocument/2006/relationships" xmlns:p="http://schemas.openxmlformats.org/presentationml/2006/main" preserve="1" userDrawn="1">
   <p:cSld name="Impact Slide - Orange">
     <p:bg>
       <p:bgPr>
@@ -4458,7 +4458,7 @@
 </file>
 
 <file path=ppt/slideMasters/slideMaster1.xml><?xml version="1.0" encoding="utf-8"?>
-<p:sldMaster xmlns:a="http://schemas.openxmlformats.org/drawingml/2006/main" xmlns:r="http://schemas.openxmlformats.org/officeDocument/2006/relationships" xmlns:mc="http://schemas.openxmlformats.org/markup-compatibility/2006" xmlns:mv="urn:schemas-microsoft-com:mac:vml" xmlns:p="http://schemas.openxmlformats.org/presentationml/2006/main" mc:Ignorable="mv" mc:PreserveAttributes="mv:*">
+<p:sldMaster xmlns:a="http://schemas.openxmlformats.org/drawingml/2006/main" xmlns:r="http://schemas.openxmlformats.org/officeDocument/2006/relationships" xmlns:p="http://schemas.openxmlformats.org/presentationml/2006/main">
   <p:cSld>
     <p:bg>
       <p:bgPr>
@@ -5080,7 +5080,7 @@
 </file>
 
 <file path=ppt/slides/slide1.xml><?xml version="1.0" encoding="utf-8"?>
-<p:sld xmlns:a="http://schemas.openxmlformats.org/drawingml/2006/main" xmlns:r="http://schemas.openxmlformats.org/officeDocument/2006/relationships" xmlns:mc="http://schemas.openxmlformats.org/markup-compatibility/2006" xmlns:mv="urn:schemas-microsoft-com:mac:vml" xmlns:p="http://schemas.openxmlformats.org/presentationml/2006/main" mc:Ignorable="mv" mc:PreserveAttributes="mv:*">
+<p:sld xmlns:a="http://schemas.openxmlformats.org/drawingml/2006/main" xmlns:r="http://schemas.openxmlformats.org/officeDocument/2006/relationships" xmlns:p="http://schemas.openxmlformats.org/presentationml/2006/main">
   <p:cSld>
     <p:spTree>
       <p:nvGrpSpPr>
@@ -5160,20 +5160,20 @@
     </p:spTree>
     <p:extLst>
       <p:ext uri="{BB962C8B-B14F-4D97-AF65-F5344CB8AC3E}">
-        <p14:creationId xmlns:p14="http://schemas.microsoft.com/office/powerpoint/2010/main" xmlns:p="http://schemas.openxmlformats.org/presentationml/2006/main" xmlns:r="http://schemas.openxmlformats.org/officeDocument/2006/relationships" xmlns:a="http://schemas.openxmlformats.org/drawingml/2006/main" xmlns="" val="2352184382"/>
+        <p14:creationId xmlns:p14="http://schemas.microsoft.com/office/powerpoint/2010/main" val="2352184382"/>
       </p:ext>
     </p:extLst>
   </p:cSld>
   <p:clrMapOvr>
     <a:masterClrMapping/>
   </p:clrMapOvr>
-  <p:transition spd="med">
+  <p:transition xmlns:p14="http://schemas.microsoft.com/office/powerpoint/2010/main" spd="med">
     <p:fade/>
   </p:transition>
   <p:timing>
     <p:tnLst>
       <p:par>
-        <p:cTn id="1" dur="indefinite" restart="never" nodeType="tmRoot"/>
+        <p:cTn xmlns:p14="http://schemas.microsoft.com/office/powerpoint/2010/main" id="1" dur="indefinite" restart="never" nodeType="tmRoot"/>
       </p:par>
     </p:tnLst>
   </p:timing>
@@ -5181,7 +5181,7 @@
 </file>
 
 <file path=ppt/slides/slide2.xml><?xml version="1.0" encoding="utf-8"?>
-<p:sld xmlns:a="http://schemas.openxmlformats.org/drawingml/2006/main" xmlns:r="http://schemas.openxmlformats.org/officeDocument/2006/relationships" xmlns:mc="http://schemas.openxmlformats.org/markup-compatibility/2006" xmlns:mv="urn:schemas-microsoft-com:mac:vml" xmlns:p="http://schemas.openxmlformats.org/presentationml/2006/main" mc:Ignorable="mv" mc:PreserveAttributes="mv:*">
+<p:sld xmlns:a="http://schemas.openxmlformats.org/drawingml/2006/main" xmlns:r="http://schemas.openxmlformats.org/officeDocument/2006/relationships" xmlns:p="http://schemas.openxmlformats.org/presentationml/2006/main">
   <p:cSld>
     <p:spTree>
       <p:nvGrpSpPr>
@@ -5260,23 +5260,7 @@
             <a:pPr lvl="1"/>
             <a:r>
               <a:rPr lang="en-US" sz="3200" dirty="0" smtClean="0"/>
-              <a:t>Create a server-side script (</a:t>
-            </a:r>
-            <a:r>
-              <a:rPr lang="en-US" sz="3200" dirty="0" smtClean="0"/>
-              <a:t>in</a:t>
-            </a:r>
-            <a:r>
-              <a:rPr lang="en-US" sz="3200" dirty="0" smtClean="0"/>
-              <a:t> PHP for exa</a:t>
-            </a:r>
-            <a:r>
-              <a:rPr lang="en-US" sz="3200" dirty="0" smtClean="0"/>
-              <a:t>mple</a:t>
-            </a:r>
-            <a:r>
-              <a:rPr lang="en-US" sz="3200" dirty="0" smtClean="0"/>
-              <a:t>) with tokens defined</a:t>
+              <a:t>Create a server-side script (in PHP for example) with tokens defined</a:t>
             </a:r>
           </a:p>
           <a:p>
@@ -5298,17 +5282,69 @@
               <a:rPr lang="en-US" sz="3200" dirty="0" smtClean="0"/>
               <a:t>Instructs browser to encrypt the transaction, including your token</a:t>
             </a:r>
-            <a:endParaRPr lang="en-US" sz="3200" dirty="0" smtClean="0"/>
           </a:p>
           <a:p>
             <a:endParaRPr lang="en-US" sz="3200" dirty="0"/>
+          </a:p>
+        </p:txBody>
+      </p:sp>
+      <p:sp>
+        <p:nvSpPr>
+          <p:cNvPr id="5" name="Slide Number Placeholder 3"/>
+          <p:cNvSpPr txBox="1">
+            <a:spLocks noGrp="1"/>
+          </p:cNvSpPr>
+          <p:nvPr/>
+        </p:nvSpPr>
+        <p:spPr bwMode="auto">
+          <a:xfrm>
+            <a:off x="315868" y="9270583"/>
+            <a:ext cx="866378" cy="541514"/>
+          </a:xfrm>
+          <a:prstGeom prst="rect">
+            <a:avLst/>
+          </a:prstGeom>
+          <a:noFill/>
+          <a:ln>
+            <a:miter lim="800000"/>
+            <a:headEnd/>
+            <a:tailEnd/>
+          </a:ln>
+        </p:spPr>
+        <p:txBody>
+          <a:bodyPr lIns="154707" tIns="77354" rIns="154707" bIns="77354"/>
+          <a:lstStyle/>
+          <a:p>
+            <a:pPr eaLnBrk="0" hangingPunct="0">
+              <a:defRPr/>
+            </a:pPr>
+            <a:fld id="{1BD3BB7B-F997-4B7C-BCBE-A063D59C732E}" type="slidenum">
+              <a:rPr lang="en-US" sz="1500" b="1">
+                <a:solidFill>
+                  <a:srgbClr val="7B7B7B"/>
+                </a:solidFill>
+                <a:ea typeface="ＭＳ Ｐゴシック" pitchFamily="34" charset="-128"/>
+                <a:cs typeface="+mn-cs"/>
+              </a:rPr>
+              <a:pPr eaLnBrk="0" hangingPunct="0">
+                <a:defRPr/>
+              </a:pPr>
+              <a:t>2</a:t>
+            </a:fld>
+            <a:endParaRPr lang="en-US" sz="1500" b="1" dirty="0">
+              <a:solidFill>
+                <a:srgbClr val="7B7B7B"/>
+              </a:solidFill>
+              <a:ea typeface="ＭＳ Ｐゴシック" pitchFamily="34" charset="-128"/>
+              <a:cs typeface="+mn-cs"/>
+            </a:endParaRPr>
           </a:p>
         </p:txBody>
       </p:sp>
     </p:spTree>
     <p:extLst>
       <p:ext uri="{BB962C8B-B14F-4D97-AF65-F5344CB8AC3E}">
-        <p14:creationId xmlns:p14="http://schemas.microsoft.com/office/powerpoint/2010/main" xmlns:p="http://schemas.openxmlformats.org/presentationml/2006/main" xmlns:r="http://schemas.openxmlformats.org/officeDocument/2006/relationships" xmlns:a="http://schemas.openxmlformats.org/drawingml/2006/main" xmlns="" val="1723545958"/>
+        <p14:creationId xmlns:p14="http://schemas.microsoft.com/office/powerpoint/2010/main" val="1723545958"/>
       </p:ext>
     </p:extLst>
   </p:cSld>
@@ -5318,7 +5354,7 @@
   <p:timing>
     <p:tnLst>
       <p:par>
-        <p:cTn id="1" dur="indefinite" restart="never" nodeType="tmRoot"/>
+        <p:cTn xmlns:p14="http://schemas.microsoft.com/office/powerpoint/2010/main" id="1" dur="indefinite" restart="never" nodeType="tmRoot"/>
       </p:par>
     </p:tnLst>
   </p:timing>
@@ -5326,7 +5362,7 @@
 </file>
 
 <file path=ppt/slides/slide3.xml><?xml version="1.0" encoding="utf-8"?>
-<p:sld xmlns:a="http://schemas.openxmlformats.org/drawingml/2006/main" xmlns:r="http://schemas.openxmlformats.org/officeDocument/2006/relationships" xmlns:mc="http://schemas.openxmlformats.org/markup-compatibility/2006" xmlns:mv="urn:schemas-microsoft-com:mac:vml" xmlns:p="http://schemas.openxmlformats.org/presentationml/2006/main" mc:Ignorable="mv" mc:PreserveAttributes="mv:*">
+<p:sld xmlns:a="http://schemas.openxmlformats.org/drawingml/2006/main" xmlns:r="http://schemas.openxmlformats.org/officeDocument/2006/relationships" xmlns:p="http://schemas.openxmlformats.org/presentationml/2006/main">
   <p:cSld>
     <p:spTree>
       <p:nvGrpSpPr>
@@ -5417,51 +5453,26 @@
           <a:p>
             <a:r>
               <a:rPr lang="en-US" dirty="0" smtClean="0"/>
-              <a:t>Demo 8:</a:t>
-            </a:r>
-            <a:r>
-              <a:rPr lang="en-US" dirty="0" smtClean="0"/>
-              <a:t> </a:t>
-            </a:r>
-            <a:r>
-              <a:rPr lang="en-US" dirty="0" smtClean="0"/>
-              <a:t>Making </a:t>
-            </a:r>
-            <a:r>
-              <a:rPr lang="en-US" dirty="0" smtClean="0"/>
-              <a:t>Server</a:t>
-            </a:r>
-            <a:r>
-              <a:rPr lang="en-US" dirty="0" smtClean="0"/>
-              <a:t>-Side</a:t>
-            </a:r>
-            <a:r>
-              <a:rPr lang="en-US" dirty="0" smtClean="0"/>
-              <a:t> </a:t>
-            </a:r>
-            <a:r>
-              <a:rPr lang="en-US" dirty="0" smtClean="0"/>
-              <a:t>Requests</a:t>
-            </a:r>
-            <a:endParaRPr lang="en-US" dirty="0" smtClean="0"/>
+              <a:t>Demo 8: Making Server-Side Requests</a:t>
+            </a:r>
           </a:p>
         </p:txBody>
       </p:sp>
     </p:spTree>
     <p:extLst>
       <p:ext uri="{BB962C8B-B14F-4D97-AF65-F5344CB8AC3E}">
-        <p14:creationId xmlns:p14="http://schemas.microsoft.com/office/powerpoint/2010/main" xmlns:p="http://schemas.openxmlformats.org/presentationml/2006/main" xmlns:r="http://schemas.openxmlformats.org/officeDocument/2006/relationships" xmlns:a="http://schemas.openxmlformats.org/drawingml/2006/main" xmlns="" val="3539376714"/>
+        <p14:creationId xmlns:p14="http://schemas.microsoft.com/office/powerpoint/2010/main" val="3539376714"/>
       </p:ext>
     </p:extLst>
   </p:cSld>
   <p:clrMapOvr>
     <a:masterClrMapping/>
   </p:clrMapOvr>
-  <p:transition/>
+  <p:transition xmlns:p14="http://schemas.microsoft.com/office/powerpoint/2010/main"/>
   <p:timing>
     <p:tnLst>
       <p:par>
-        <p:cTn id="1" dur="indefinite" restart="never" nodeType="tmRoot"/>
+        <p:cTn xmlns:p14="http://schemas.microsoft.com/office/powerpoint/2010/main" id="1" dur="indefinite" restart="never" nodeType="tmRoot"/>
       </p:par>
     </p:tnLst>
   </p:timing>
@@ -5469,7 +5480,7 @@
 </file>
 
 <file path=ppt/slides/slide4.xml><?xml version="1.0" encoding="utf-8"?>
-<p:sld xmlns:a="http://schemas.openxmlformats.org/drawingml/2006/main" xmlns:r="http://schemas.openxmlformats.org/officeDocument/2006/relationships" xmlns:mc="http://schemas.openxmlformats.org/markup-compatibility/2006" xmlns:mv="urn:schemas-microsoft-com:mac:vml" xmlns:p="http://schemas.openxmlformats.org/presentationml/2006/main" mc:Ignorable="mv" mc:PreserveAttributes="mv:*">
+<p:sld xmlns:a="http://schemas.openxmlformats.org/drawingml/2006/main" xmlns:r="http://schemas.openxmlformats.org/officeDocument/2006/relationships" xmlns:p="http://schemas.openxmlformats.org/presentationml/2006/main">
   <p:cSld>
     <p:spTree>
       <p:nvGrpSpPr>
@@ -5570,20 +5581,20 @@
     </p:spTree>
     <p:extLst>
       <p:ext uri="{BB962C8B-B14F-4D97-AF65-F5344CB8AC3E}">
-        <p14:creationId xmlns:p14="http://schemas.microsoft.com/office/powerpoint/2010/main" xmlns:p="http://schemas.openxmlformats.org/presentationml/2006/main" xmlns:r="http://schemas.openxmlformats.org/officeDocument/2006/relationships" xmlns:a="http://schemas.openxmlformats.org/drawingml/2006/main" xmlns="" val="3700295984"/>
+        <p14:creationId xmlns:p14="http://schemas.microsoft.com/office/powerpoint/2010/main" val="3700295984"/>
       </p:ext>
     </p:extLst>
   </p:cSld>
   <p:clrMapOvr>
     <a:masterClrMapping/>
   </p:clrMapOvr>
-  <p:transition spd="med">
+  <p:transition xmlns:p14="http://schemas.microsoft.com/office/powerpoint/2010/main" spd="med">
     <p:fade/>
   </p:transition>
   <p:timing>
     <p:tnLst>
       <p:par>
-        <p:cTn id="1" dur="indefinite" restart="never" nodeType="tmRoot"/>
+        <p:cTn xmlns:p14="http://schemas.microsoft.com/office/powerpoint/2010/main" id="1" dur="indefinite" restart="never" nodeType="tmRoot"/>
       </p:par>
     </p:tnLst>
   </p:timing>

--- a/VideoSessionsMaterials/server-side.pptx
+++ b/VideoSessionsMaterials/server-side.pptx
@@ -226,7 +226,7 @@
             <a:fld id="{DDC063FE-8627-9A42-970F-0BBEEB02B587}" type="datetimeFigureOut">
               <a:rPr lang="en-US" smtClean="0"/>
               <a:pPr/>
-              <a:t>12/9/13</a:t>
+              <a:t>12/17/13</a:t>
             </a:fld>
             <a:endParaRPr lang="en-US" dirty="0"/>
           </a:p>
@@ -5452,8 +5452,16 @@
           <a:lstStyle/>
           <a:p>
             <a:r>
+              <a:rPr lang="en-US" smtClean="0"/>
+              <a:t>Demo </a:t>
+            </a:r>
+            <a:r>
+              <a:rPr lang="en-US" smtClean="0"/>
+              <a:t>10: </a:t>
+            </a:r>
+            <a:r>
               <a:rPr lang="en-US" dirty="0" smtClean="0"/>
-              <a:t>Demo 8: Making Server-Side Requests</a:t>
+              <a:t>Making Server-Side Requests</a:t>
             </a:r>
           </a:p>
         </p:txBody>
